--- a/LabBook_10.pptx
+++ b/LabBook_10.pptx
@@ -5092,7 +5092,7 @@
         <p:spPr>
           <a:xfrm>
             <a:off x="609441" y="4860334"/>
-            <a:ext cx="11199971" cy="1384995"/>
+            <a:ext cx="11199971" cy="1569660"/>
           </a:xfrm>
           <a:prstGeom prst="rect">
             <a:avLst/>
@@ -5132,20 +5132,121 @@
           </a:p>
           <a:p>
             <a:pPr algn="just"/>
-            <a:endParaRPr lang="en-US" sz="1200" dirty="0">
-              <a:latin typeface="Arial" panose="020B0604020202020204" pitchFamily="34" charset="0"/>
-              <a:cs typeface="Arial" panose="020B0604020202020204" pitchFamily="34" charset="0"/>
-            </a:endParaRPr>
+            <a:r>
+              <a:rPr lang="es-ES" sz="1200" dirty="0">
+                <a:latin typeface="Arial" panose="020B0604020202020204" pitchFamily="34" charset="0"/>
+                <a:cs typeface="Arial" panose="020B0604020202020204" pitchFamily="34" charset="0"/>
+              </a:rPr>
+              <a:t>Si observamos la primera gráfica, vemos que el valor del índice efectivo se estabiliza para valores de </a:t>
+            </a:r>
+            <a:r>
+              <a:rPr lang="es-ES" sz="1200" dirty="0" err="1">
+                <a:latin typeface="Arial" panose="020B0604020202020204" pitchFamily="34" charset="0"/>
+                <a:cs typeface="Arial" panose="020B0604020202020204" pitchFamily="34" charset="0"/>
+              </a:rPr>
+              <a:t>grid</a:t>
+            </a:r>
+            <a:r>
+              <a:rPr lang="es-ES" sz="1200" dirty="0">
+                <a:latin typeface="Arial" panose="020B0604020202020204" pitchFamily="34" charset="0"/>
+                <a:cs typeface="Arial" panose="020B0604020202020204" pitchFamily="34" charset="0"/>
+              </a:rPr>
+              <a:t> </a:t>
+            </a:r>
+            <a:r>
+              <a:rPr lang="es-ES" sz="1200" dirty="0" err="1">
+                <a:latin typeface="Arial" panose="020B0604020202020204" pitchFamily="34" charset="0"/>
+                <a:cs typeface="Arial" panose="020B0604020202020204" pitchFamily="34" charset="0"/>
+              </a:rPr>
+              <a:t>resolution</a:t>
+            </a:r>
+            <a:r>
+              <a:rPr lang="es-ES" sz="1200" dirty="0">
+                <a:latin typeface="Arial" panose="020B0604020202020204" pitchFamily="34" charset="0"/>
+                <a:cs typeface="Arial" panose="020B0604020202020204" pitchFamily="34" charset="0"/>
+              </a:rPr>
+              <a:t> mayores a 50.</a:t>
+            </a:r>
           </a:p>
           <a:p>
             <a:pPr algn="just"/>
-            <a:endParaRPr lang="en-US" sz="1200" dirty="0">
-              <a:latin typeface="Arial" panose="020B0604020202020204" pitchFamily="34" charset="0"/>
-              <a:cs typeface="Arial" panose="020B0604020202020204" pitchFamily="34" charset="0"/>
-            </a:endParaRPr>
-          </a:p>
-          <a:p>
-            <a:pPr algn="just"/>
+            <a:r>
+              <a:rPr lang="es-ES" sz="1200" dirty="0">
+                <a:latin typeface="Arial" panose="020B0604020202020204" pitchFamily="34" charset="0"/>
+                <a:cs typeface="Arial" panose="020B0604020202020204" pitchFamily="34" charset="0"/>
+              </a:rPr>
+              <a:t>Para crear la gráfica para el caso de análisis de </a:t>
+            </a:r>
+            <a:r>
+              <a:rPr lang="es-ES" sz="1200" dirty="0" err="1">
+                <a:latin typeface="Arial" panose="020B0604020202020204" pitchFamily="34" charset="0"/>
+                <a:cs typeface="Arial" panose="020B0604020202020204" pitchFamily="34" charset="0"/>
+              </a:rPr>
+              <a:t>max_grid_scaling</a:t>
+            </a:r>
+            <a:r>
+              <a:rPr lang="es-ES" sz="1200" dirty="0">
+                <a:latin typeface="Arial" panose="020B0604020202020204" pitchFamily="34" charset="0"/>
+                <a:cs typeface="Arial" panose="020B0604020202020204" pitchFamily="34" charset="0"/>
+              </a:rPr>
+              <a:t> en vez de usar un valor de </a:t>
+            </a:r>
+            <a:r>
+              <a:rPr lang="es-ES" sz="1200" dirty="0" err="1">
+                <a:latin typeface="Arial" panose="020B0604020202020204" pitchFamily="34" charset="0"/>
+                <a:cs typeface="Arial" panose="020B0604020202020204" pitchFamily="34" charset="0"/>
+              </a:rPr>
+              <a:t>grid</a:t>
+            </a:r>
+            <a:r>
+              <a:rPr lang="es-ES" sz="1200" dirty="0">
+                <a:latin typeface="Arial" panose="020B0604020202020204" pitchFamily="34" charset="0"/>
+                <a:cs typeface="Arial" panose="020B0604020202020204" pitchFamily="34" charset="0"/>
+              </a:rPr>
+              <a:t> </a:t>
+            </a:r>
+            <a:r>
+              <a:rPr lang="es-ES" sz="1200" dirty="0" err="1">
+                <a:latin typeface="Arial" panose="020B0604020202020204" pitchFamily="34" charset="0"/>
+                <a:cs typeface="Arial" panose="020B0604020202020204" pitchFamily="34" charset="0"/>
+              </a:rPr>
+              <a:t>resolution</a:t>
+            </a:r>
+            <a:r>
+              <a:rPr lang="es-ES" sz="1200" dirty="0">
+                <a:latin typeface="Arial" panose="020B0604020202020204" pitchFamily="34" charset="0"/>
+                <a:cs typeface="Arial" panose="020B0604020202020204" pitchFamily="34" charset="0"/>
+              </a:rPr>
+              <a:t> mayor a 50, se ha optado por usar de 20, ya que para este valor se obtiene un índice efectivo equivalente al del caso de estabilidad para valores mayores a 50 en el </a:t>
+            </a:r>
+            <a:r>
+              <a:rPr lang="es-ES" sz="1200" dirty="0" err="1">
+                <a:latin typeface="Arial" panose="020B0604020202020204" pitchFamily="34" charset="0"/>
+                <a:cs typeface="Arial" panose="020B0604020202020204" pitchFamily="34" charset="0"/>
+              </a:rPr>
+              <a:t>grid</a:t>
+            </a:r>
+            <a:r>
+              <a:rPr lang="es-ES" sz="1200" dirty="0">
+                <a:latin typeface="Arial" panose="020B0604020202020204" pitchFamily="34" charset="0"/>
+                <a:cs typeface="Arial" panose="020B0604020202020204" pitchFamily="34" charset="0"/>
+              </a:rPr>
+              <a:t> </a:t>
+            </a:r>
+            <a:r>
+              <a:rPr lang="es-ES" sz="1200" dirty="0" err="1">
+                <a:latin typeface="Arial" panose="020B0604020202020204" pitchFamily="34" charset="0"/>
+                <a:cs typeface="Arial" panose="020B0604020202020204" pitchFamily="34" charset="0"/>
+              </a:rPr>
+              <a:t>resolution</a:t>
+            </a:r>
+            <a:r>
+              <a:rPr lang="es-ES" sz="1200" dirty="0">
+                <a:latin typeface="Arial" panose="020B0604020202020204" pitchFamily="34" charset="0"/>
+                <a:cs typeface="Arial" panose="020B0604020202020204" pitchFamily="34" charset="0"/>
+              </a:rPr>
+              <a:t>, y con ello tendremos un menor coste computacional.</a:t>
+            </a:r>
             <a:endParaRPr lang="en-US" sz="1200" dirty="0">
               <a:latin typeface="Arial" panose="020B0604020202020204" pitchFamily="34" charset="0"/>
               <a:cs typeface="Arial" panose="020B0604020202020204" pitchFamily="34" charset="0"/>
@@ -5233,8 +5334,8 @@
         </p:nvSpPr>
         <p:spPr>
           <a:xfrm>
-            <a:off x="6792815" y="2698951"/>
-            <a:ext cx="4546634" cy="923330"/>
+            <a:off x="7488347" y="2709096"/>
+            <a:ext cx="3646585" cy="1200329"/>
           </a:xfrm>
           <a:prstGeom prst="rect">
             <a:avLst/>
@@ -5278,6 +5379,66 @@
           </a:p>
         </p:txBody>
       </p:sp>
+      <p:pic>
+        <p:nvPicPr>
+          <p:cNvPr id="7" name="Imagen 6">
+            <a:extLst>
+              <a:ext uri="{FF2B5EF4-FFF2-40B4-BE49-F238E27FC236}">
+                <a16:creationId xmlns:a16="http://schemas.microsoft.com/office/drawing/2014/main" id="{5C2838CE-B9D8-467E-8B84-5C454526BF6A}"/>
+              </a:ext>
+            </a:extLst>
+          </p:cNvPr>
+          <p:cNvPicPr>
+            <a:picLocks noChangeAspect="1"/>
+          </p:cNvPicPr>
+          <p:nvPr/>
+        </p:nvPicPr>
+        <p:blipFill>
+          <a:blip r:embed="rId5"/>
+          <a:stretch>
+            <a:fillRect/>
+          </a:stretch>
+        </p:blipFill>
+        <p:spPr>
+          <a:xfrm>
+            <a:off x="1371860" y="1619947"/>
+            <a:ext cx="3961720" cy="3081338"/>
+          </a:xfrm>
+          <a:prstGeom prst="rect">
+            <a:avLst/>
+          </a:prstGeom>
+        </p:spPr>
+      </p:pic>
+      <p:pic>
+        <p:nvPicPr>
+          <p:cNvPr id="11" name="Imagen 10">
+            <a:extLst>
+              <a:ext uri="{FF2B5EF4-FFF2-40B4-BE49-F238E27FC236}">
+                <a16:creationId xmlns:a16="http://schemas.microsoft.com/office/drawing/2014/main" id="{AAE13B25-34E2-4836-90D7-5F03ABB5FAAC}"/>
+              </a:ext>
+            </a:extLst>
+          </p:cNvPr>
+          <p:cNvPicPr>
+            <a:picLocks noChangeAspect="1"/>
+          </p:cNvPicPr>
+          <p:nvPr/>
+        </p:nvPicPr>
+        <p:blipFill>
+          <a:blip r:embed="rId6"/>
+          <a:stretch>
+            <a:fillRect/>
+          </a:stretch>
+        </p:blipFill>
+        <p:spPr>
+          <a:xfrm>
+            <a:off x="7125476" y="1627875"/>
+            <a:ext cx="3961721" cy="3039769"/>
+          </a:xfrm>
+          <a:prstGeom prst="rect">
+            <a:avLst/>
+          </a:prstGeom>
+        </p:spPr>
+      </p:pic>
     </p:spTree>
     <p:extLst>
       <p:ext uri="{BB962C8B-B14F-4D97-AF65-F5344CB8AC3E}">
@@ -5708,8 +5869,8 @@
           <a:chExt cx="0" cy="0"/>
         </a:xfrm>
       </p:grpSpPr>
-      <mc:AlternateContent xmlns:mc="http://schemas.openxmlformats.org/markup-compatibility/2006">
-        <mc:Choice xmlns:a14="http://schemas.microsoft.com/office/drawing/2010/main" Requires="a14">
+      <mc:AlternateContent xmlns:mc="http://schemas.openxmlformats.org/markup-compatibility/2006" xmlns:a14="http://schemas.microsoft.com/office/drawing/2010/main">
+        <mc:Choice Requires="a14">
           <p:sp>
             <p:nvSpPr>
               <p:cNvPr id="16" name="object 16">
@@ -6036,7 +6197,7 @@
             </p:txBody>
           </p:sp>
         </mc:Choice>
-        <mc:Fallback>
+        <mc:Fallback xmlns="">
           <p:sp>
             <p:nvSpPr>
               <p:cNvPr id="16" name="object 16">
@@ -6182,8 +6343,8 @@
           </a:p>
         </p:txBody>
       </p:sp>
-      <mc:AlternateContent xmlns:mc="http://schemas.openxmlformats.org/markup-compatibility/2006" xmlns:a14="http://schemas.microsoft.com/office/drawing/2010/main">
-        <mc:Choice Requires="a14">
+      <mc:AlternateContent xmlns:mc="http://schemas.openxmlformats.org/markup-compatibility/2006">
+        <mc:Choice xmlns:a14="http://schemas.microsoft.com/office/drawing/2010/main" Requires="a14">
           <p:sp>
             <p:nvSpPr>
               <p:cNvPr id="2" name="CuadroTexto 1">
@@ -6199,7 +6360,7 @@
             <p:spPr>
               <a:xfrm>
                 <a:off x="609441" y="4860334"/>
-                <a:ext cx="11198542" cy="1361911"/>
+                <a:ext cx="11198542" cy="1740861"/>
               </a:xfrm>
               <a:prstGeom prst="rect">
                 <a:avLst/>
@@ -6645,10 +6806,130 @@
                   <a:cs typeface="Arial" panose="020B0604020202020204" pitchFamily="34" charset="0"/>
                 </a:endParaRPr>
               </a:p>
+              <a:p>
+                <a:pPr algn="just"/>
+                <a:r>
+                  <a:rPr lang="en-US" sz="1200" dirty="0">
+                    <a:highlight>
+                      <a:srgbClr val="FFFF00"/>
+                    </a:highlight>
+                    <a:latin typeface="Arial" panose="020B0604020202020204" pitchFamily="34" charset="0"/>
+                    <a:cs typeface="Arial" panose="020B0604020202020204" pitchFamily="34" charset="0"/>
+                  </a:rPr>
+                  <a:t>El </a:t>
+                </a:r>
+                <a:r>
+                  <a:rPr lang="en-US" sz="1200" dirty="0" err="1">
+                    <a:highlight>
+                      <a:srgbClr val="FFFF00"/>
+                    </a:highlight>
+                    <a:latin typeface="Arial" panose="020B0604020202020204" pitchFamily="34" charset="0"/>
+                    <a:cs typeface="Arial" panose="020B0604020202020204" pitchFamily="34" charset="0"/>
+                  </a:rPr>
+                  <a:t>índice</a:t>
+                </a:r>
+                <a:r>
+                  <a:rPr lang="en-US" sz="1200" dirty="0">
+                    <a:highlight>
+                      <a:srgbClr val="FFFF00"/>
+                    </a:highlight>
+                    <a:latin typeface="Arial" panose="020B0604020202020204" pitchFamily="34" charset="0"/>
+                    <a:cs typeface="Arial" panose="020B0604020202020204" pitchFamily="34" charset="0"/>
+                  </a:rPr>
+                  <a:t> de </a:t>
+                </a:r>
+                <a:r>
+                  <a:rPr lang="en-US" sz="1200" dirty="0" err="1">
+                    <a:highlight>
+                      <a:srgbClr val="FFFF00"/>
+                    </a:highlight>
+                    <a:latin typeface="Arial" panose="020B0604020202020204" pitchFamily="34" charset="0"/>
+                    <a:cs typeface="Arial" panose="020B0604020202020204" pitchFamily="34" charset="0"/>
+                  </a:rPr>
+                  <a:t>grupo</a:t>
+                </a:r>
+                <a:r>
+                  <a:rPr lang="en-US" sz="1200" dirty="0">
+                    <a:highlight>
+                      <a:srgbClr val="FFFF00"/>
+                    </a:highlight>
+                    <a:latin typeface="Arial" panose="020B0604020202020204" pitchFamily="34" charset="0"/>
+                    <a:cs typeface="Arial" panose="020B0604020202020204" pitchFamily="34" charset="0"/>
+                  </a:rPr>
+                  <a:t> debe de ser </a:t>
+                </a:r>
+                <a:r>
+                  <a:rPr lang="en-US" sz="1200" dirty="0" err="1">
+                    <a:highlight>
+                      <a:srgbClr val="FFFF00"/>
+                    </a:highlight>
+                    <a:latin typeface="Arial" panose="020B0604020202020204" pitchFamily="34" charset="0"/>
+                    <a:cs typeface="Arial" panose="020B0604020202020204" pitchFamily="34" charset="0"/>
+                  </a:rPr>
+                  <a:t>cercano</a:t>
+                </a:r>
+                <a:r>
+                  <a:rPr lang="en-US" sz="1200" dirty="0">
+                    <a:highlight>
+                      <a:srgbClr val="FFFF00"/>
+                    </a:highlight>
+                    <a:latin typeface="Arial" panose="020B0604020202020204" pitchFamily="34" charset="0"/>
+                    <a:cs typeface="Arial" panose="020B0604020202020204" pitchFamily="34" charset="0"/>
+                  </a:rPr>
+                  <a:t> a 2 </a:t>
+                </a:r>
+                <a:r>
+                  <a:rPr lang="en-US" sz="1200" dirty="0" err="1">
+                    <a:highlight>
+                      <a:srgbClr val="FFFF00"/>
+                    </a:highlight>
+                    <a:latin typeface="Arial" panose="020B0604020202020204" pitchFamily="34" charset="0"/>
+                    <a:cs typeface="Arial" panose="020B0604020202020204" pitchFamily="34" charset="0"/>
+                  </a:rPr>
+                  <a:t>en</a:t>
+                </a:r>
+                <a:r>
+                  <a:rPr lang="en-US" sz="1200" dirty="0">
+                    <a:highlight>
+                      <a:srgbClr val="FFFF00"/>
+                    </a:highlight>
+                    <a:latin typeface="Arial" panose="020B0604020202020204" pitchFamily="34" charset="0"/>
+                    <a:cs typeface="Arial" panose="020B0604020202020204" pitchFamily="34" charset="0"/>
+                  </a:rPr>
+                  <a:t> deep waveguide. De 1.8 </a:t>
+                </a:r>
+                <a:r>
+                  <a:rPr lang="en-US" sz="1200" dirty="0" err="1">
+                    <a:highlight>
+                      <a:srgbClr val="FFFF00"/>
+                    </a:highlight>
+                    <a:latin typeface="Arial" panose="020B0604020202020204" pitchFamily="34" charset="0"/>
+                    <a:cs typeface="Arial" panose="020B0604020202020204" pitchFamily="34" charset="0"/>
+                  </a:rPr>
+                  <a:t>en</a:t>
+                </a:r>
+                <a:r>
+                  <a:rPr lang="en-US" sz="1200" dirty="0">
+                    <a:highlight>
+                      <a:srgbClr val="FFFF00"/>
+                    </a:highlight>
+                    <a:latin typeface="Arial" panose="020B0604020202020204" pitchFamily="34" charset="0"/>
+                    <a:cs typeface="Arial" panose="020B0604020202020204" pitchFamily="34" charset="0"/>
+                  </a:rPr>
+                  <a:t> …</a:t>
+                </a:r>
+              </a:p>
+              <a:p>
+                <a:pPr algn="just"/>
+                <a:endParaRPr lang="en-US" sz="1200" dirty="0">
+                  <a:latin typeface="Arial" panose="020B0604020202020204" pitchFamily="34" charset="0"/>
+                  <a:cs typeface="Arial" panose="020B0604020202020204" pitchFamily="34" charset="0"/>
+                </a:endParaRPr>
+              </a:p>
             </p:txBody>
           </p:sp>
         </mc:Choice>
-        <mc:Fallback xmlns="">
+        <mc:Fallback>
           <p:sp>
             <p:nvSpPr>
               <p:cNvPr id="2" name="CuadroTexto 1">
@@ -6666,7 +6947,7 @@
             <p:spPr>
               <a:xfrm>
                 <a:off x="609441" y="4860334"/>
-                <a:ext cx="11198542" cy="1361911"/>
+                <a:ext cx="11198542" cy="1740861"/>
               </a:xfrm>
               <a:prstGeom prst="rect">
                 <a:avLst/>

--- a/LabBook_10.pptx
+++ b/LabBook_10.pptx
@@ -5092,7 +5092,7 @@
         <p:spPr>
           <a:xfrm>
             <a:off x="609441" y="4860334"/>
-            <a:ext cx="11199971" cy="1569660"/>
+            <a:ext cx="11199971" cy="1200329"/>
           </a:xfrm>
           <a:prstGeom prst="rect">
             <a:avLst/>
@@ -5247,20 +5247,6 @@
               </a:rPr>
               <a:t>, y con ello tendremos un menor coste computacional.</a:t>
             </a:r>
-            <a:endParaRPr lang="en-US" sz="1200" dirty="0">
-              <a:latin typeface="Arial" panose="020B0604020202020204" pitchFamily="34" charset="0"/>
-              <a:cs typeface="Arial" panose="020B0604020202020204" pitchFamily="34" charset="0"/>
-            </a:endParaRPr>
-          </a:p>
-          <a:p>
-            <a:pPr algn="just"/>
-            <a:endParaRPr lang="en-US" sz="1200" dirty="0">
-              <a:latin typeface="Arial" panose="020B0604020202020204" pitchFamily="34" charset="0"/>
-              <a:cs typeface="Arial" panose="020B0604020202020204" pitchFamily="34" charset="0"/>
-            </a:endParaRPr>
-          </a:p>
-          <a:p>
-            <a:pPr algn="just"/>
             <a:endParaRPr lang="en-US" sz="1200" dirty="0">
               <a:latin typeface="Arial" panose="020B0604020202020204" pitchFamily="34" charset="0"/>
               <a:cs typeface="Arial" panose="020B0604020202020204" pitchFamily="34" charset="0"/>
@@ -5563,7 +5549,7 @@
         </p:blipFill>
         <p:spPr>
           <a:xfrm>
-            <a:off x="5045006" y="6356057"/>
+            <a:off x="5045165" y="6156884"/>
             <a:ext cx="6409575" cy="363174"/>
           </a:xfrm>
           <a:prstGeom prst="rect">
@@ -5616,7 +5602,12 @@
             <p:ph type="ftr" sz="quarter" idx="5"/>
           </p:nvPr>
         </p:nvSpPr>
-        <p:spPr/>
+        <p:spPr>
+          <a:xfrm>
+            <a:off x="609759" y="6257884"/>
+            <a:ext cx="2743200" cy="184666"/>
+          </a:xfrm>
+        </p:spPr>
         <p:txBody>
           <a:bodyPr/>
           <a:lstStyle/>
@@ -5647,8 +5638,8 @@
         </p:nvSpPr>
         <p:spPr>
           <a:xfrm>
-            <a:off x="609441" y="4860334"/>
-            <a:ext cx="11199971" cy="1200329"/>
+            <a:off x="609600" y="4661161"/>
+            <a:ext cx="11199971" cy="2123658"/>
           </a:xfrm>
           <a:prstGeom prst="rect">
             <a:avLst/>
@@ -5702,10 +5693,776 @@
           </a:p>
           <a:p>
             <a:pPr algn="just"/>
-            <a:endParaRPr lang="en-US" sz="1200" dirty="0">
-              <a:latin typeface="Arial" panose="020B0604020202020204" pitchFamily="34" charset="0"/>
-              <a:cs typeface="Arial" panose="020B0604020202020204" pitchFamily="34" charset="0"/>
-            </a:endParaRPr>
+            <a:r>
+              <a:rPr lang="en-US" sz="1200" dirty="0" err="1">
+                <a:latin typeface="Arial" panose="020B0604020202020204" pitchFamily="34" charset="0"/>
+                <a:cs typeface="Arial" panose="020B0604020202020204" pitchFamily="34" charset="0"/>
+              </a:rPr>
+              <a:t>En</a:t>
+            </a:r>
+            <a:r>
+              <a:rPr lang="en-US" sz="1200" dirty="0">
+                <a:latin typeface="Arial" panose="020B0604020202020204" pitchFamily="34" charset="0"/>
+                <a:cs typeface="Arial" panose="020B0604020202020204" pitchFamily="34" charset="0"/>
+              </a:rPr>
+              <a:t> primer </a:t>
+            </a:r>
+            <a:r>
+              <a:rPr lang="en-US" sz="1200" dirty="0" err="1">
+                <a:latin typeface="Arial" panose="020B0604020202020204" pitchFamily="34" charset="0"/>
+                <a:cs typeface="Arial" panose="020B0604020202020204" pitchFamily="34" charset="0"/>
+              </a:rPr>
+              <a:t>lugar</a:t>
+            </a:r>
+            <a:r>
+              <a:rPr lang="en-US" sz="1200" dirty="0">
+                <a:latin typeface="Arial" panose="020B0604020202020204" pitchFamily="34" charset="0"/>
+                <a:cs typeface="Arial" panose="020B0604020202020204" pitchFamily="34" charset="0"/>
+              </a:rPr>
+              <a:t> </a:t>
+            </a:r>
+            <a:r>
+              <a:rPr lang="en-US" sz="1200" dirty="0" err="1">
+                <a:latin typeface="Arial" panose="020B0604020202020204" pitchFamily="34" charset="0"/>
+                <a:cs typeface="Arial" panose="020B0604020202020204" pitchFamily="34" charset="0"/>
+              </a:rPr>
+              <a:t>podemos</a:t>
+            </a:r>
+            <a:r>
+              <a:rPr lang="en-US" sz="1200" dirty="0">
+                <a:latin typeface="Arial" panose="020B0604020202020204" pitchFamily="34" charset="0"/>
+                <a:cs typeface="Arial" panose="020B0604020202020204" pitchFamily="34" charset="0"/>
+              </a:rPr>
+              <a:t> </a:t>
+            </a:r>
+            <a:r>
+              <a:rPr lang="en-US" sz="1200" dirty="0" err="1">
+                <a:latin typeface="Arial" panose="020B0604020202020204" pitchFamily="34" charset="0"/>
+                <a:cs typeface="Arial" panose="020B0604020202020204" pitchFamily="34" charset="0"/>
+              </a:rPr>
+              <a:t>observar</a:t>
+            </a:r>
+            <a:r>
+              <a:rPr lang="en-US" sz="1200" dirty="0">
+                <a:latin typeface="Arial" panose="020B0604020202020204" pitchFamily="34" charset="0"/>
+                <a:cs typeface="Arial" panose="020B0604020202020204" pitchFamily="34" charset="0"/>
+              </a:rPr>
+              <a:t> que los </a:t>
+            </a:r>
+            <a:r>
+              <a:rPr lang="en-US" sz="1200" dirty="0" err="1">
+                <a:latin typeface="Arial" panose="020B0604020202020204" pitchFamily="34" charset="0"/>
+                <a:cs typeface="Arial" panose="020B0604020202020204" pitchFamily="34" charset="0"/>
+              </a:rPr>
+              <a:t>modos</a:t>
+            </a:r>
+            <a:r>
+              <a:rPr lang="en-US" sz="1200" dirty="0">
+                <a:latin typeface="Arial" panose="020B0604020202020204" pitchFamily="34" charset="0"/>
+                <a:cs typeface="Arial" panose="020B0604020202020204" pitchFamily="34" charset="0"/>
+              </a:rPr>
+              <a:t> 0 y 2 </a:t>
+            </a:r>
+            <a:r>
+              <a:rPr lang="en-US" sz="1200" dirty="0" err="1">
+                <a:latin typeface="Arial" panose="020B0604020202020204" pitchFamily="34" charset="0"/>
+                <a:cs typeface="Arial" panose="020B0604020202020204" pitchFamily="34" charset="0"/>
+              </a:rPr>
+              <a:t>corresponden</a:t>
+            </a:r>
+            <a:r>
+              <a:rPr lang="en-US" sz="1200" dirty="0">
+                <a:latin typeface="Arial" panose="020B0604020202020204" pitchFamily="34" charset="0"/>
+                <a:cs typeface="Arial" panose="020B0604020202020204" pitchFamily="34" charset="0"/>
+              </a:rPr>
+              <a:t> al modo TE0 y TE1 </a:t>
+            </a:r>
+            <a:r>
+              <a:rPr lang="en-US" sz="1200" dirty="0" err="1">
+                <a:latin typeface="Arial" panose="020B0604020202020204" pitchFamily="34" charset="0"/>
+                <a:cs typeface="Arial" panose="020B0604020202020204" pitchFamily="34" charset="0"/>
+              </a:rPr>
+              <a:t>respectivamente</a:t>
+            </a:r>
+            <a:r>
+              <a:rPr lang="en-US" sz="1200" dirty="0">
+                <a:latin typeface="Arial" panose="020B0604020202020204" pitchFamily="34" charset="0"/>
+                <a:cs typeface="Arial" panose="020B0604020202020204" pitchFamily="34" charset="0"/>
+              </a:rPr>
+              <a:t>, y los </a:t>
+            </a:r>
+            <a:r>
+              <a:rPr lang="en-US" sz="1200" dirty="0" err="1">
+                <a:latin typeface="Arial" panose="020B0604020202020204" pitchFamily="34" charset="0"/>
+                <a:cs typeface="Arial" panose="020B0604020202020204" pitchFamily="34" charset="0"/>
+              </a:rPr>
+              <a:t>modos</a:t>
+            </a:r>
+            <a:r>
+              <a:rPr lang="en-US" sz="1200" dirty="0">
+                <a:latin typeface="Arial" panose="020B0604020202020204" pitchFamily="34" charset="0"/>
+                <a:cs typeface="Arial" panose="020B0604020202020204" pitchFamily="34" charset="0"/>
+              </a:rPr>
+              <a:t> 1 y 3 a los </a:t>
+            </a:r>
+            <a:r>
+              <a:rPr lang="en-US" sz="1200" dirty="0" err="1">
+                <a:latin typeface="Arial" panose="020B0604020202020204" pitchFamily="34" charset="0"/>
+                <a:cs typeface="Arial" panose="020B0604020202020204" pitchFamily="34" charset="0"/>
+              </a:rPr>
+              <a:t>modos</a:t>
+            </a:r>
+            <a:r>
+              <a:rPr lang="en-US" sz="1200" dirty="0">
+                <a:latin typeface="Arial" panose="020B0604020202020204" pitchFamily="34" charset="0"/>
+                <a:cs typeface="Arial" panose="020B0604020202020204" pitchFamily="34" charset="0"/>
+              </a:rPr>
+              <a:t> TM0 y TM1 </a:t>
+            </a:r>
+            <a:r>
+              <a:rPr lang="en-US" sz="1200" dirty="0" err="1">
+                <a:latin typeface="Arial" panose="020B0604020202020204" pitchFamily="34" charset="0"/>
+                <a:cs typeface="Arial" panose="020B0604020202020204" pitchFamily="34" charset="0"/>
+              </a:rPr>
+              <a:t>respectivamente</a:t>
+            </a:r>
+            <a:r>
+              <a:rPr lang="en-US" sz="1200" dirty="0">
+                <a:latin typeface="Arial" panose="020B0604020202020204" pitchFamily="34" charset="0"/>
+                <a:cs typeface="Arial" panose="020B0604020202020204" pitchFamily="34" charset="0"/>
+              </a:rPr>
+              <a:t>. Por </a:t>
+            </a:r>
+            <a:r>
+              <a:rPr lang="en-US" sz="1200" dirty="0" err="1">
+                <a:latin typeface="Arial" panose="020B0604020202020204" pitchFamily="34" charset="0"/>
+                <a:cs typeface="Arial" panose="020B0604020202020204" pitchFamily="34" charset="0"/>
+              </a:rPr>
+              <a:t>otro</a:t>
+            </a:r>
+            <a:r>
+              <a:rPr lang="en-US" sz="1200" dirty="0">
+                <a:latin typeface="Arial" panose="020B0604020202020204" pitchFamily="34" charset="0"/>
+                <a:cs typeface="Arial" panose="020B0604020202020204" pitchFamily="34" charset="0"/>
+              </a:rPr>
+              <a:t> </a:t>
+            </a:r>
+            <a:r>
+              <a:rPr lang="en-US" sz="1200" dirty="0" err="1">
+                <a:latin typeface="Arial" panose="020B0604020202020204" pitchFamily="34" charset="0"/>
+                <a:cs typeface="Arial" panose="020B0604020202020204" pitchFamily="34" charset="0"/>
+              </a:rPr>
+              <a:t>lado</a:t>
+            </a:r>
+            <a:r>
+              <a:rPr lang="en-US" sz="1200" dirty="0">
+                <a:latin typeface="Arial" panose="020B0604020202020204" pitchFamily="34" charset="0"/>
+                <a:cs typeface="Arial" panose="020B0604020202020204" pitchFamily="34" charset="0"/>
+              </a:rPr>
+              <a:t>, para saber </a:t>
+            </a:r>
+            <a:r>
+              <a:rPr lang="en-US" sz="1200" dirty="0" err="1">
+                <a:latin typeface="Arial" panose="020B0604020202020204" pitchFamily="34" charset="0"/>
+                <a:cs typeface="Arial" panose="020B0604020202020204" pitchFamily="34" charset="0"/>
+              </a:rPr>
+              <a:t>si</a:t>
+            </a:r>
+            <a:r>
+              <a:rPr lang="en-US" sz="1200" dirty="0">
+                <a:latin typeface="Arial" panose="020B0604020202020204" pitchFamily="34" charset="0"/>
+                <a:cs typeface="Arial" panose="020B0604020202020204" pitchFamily="34" charset="0"/>
+              </a:rPr>
+              <a:t> un modo se </a:t>
+            </a:r>
+            <a:r>
+              <a:rPr lang="en-US" sz="1200" dirty="0" err="1">
+                <a:latin typeface="Arial" panose="020B0604020202020204" pitchFamily="34" charset="0"/>
+                <a:cs typeface="Arial" panose="020B0604020202020204" pitchFamily="34" charset="0"/>
+              </a:rPr>
+              <a:t>propaga</a:t>
+            </a:r>
+            <a:r>
+              <a:rPr lang="en-US" sz="1200" dirty="0">
+                <a:latin typeface="Arial" panose="020B0604020202020204" pitchFamily="34" charset="0"/>
+                <a:cs typeface="Arial" panose="020B0604020202020204" pitchFamily="34" charset="0"/>
+              </a:rPr>
+              <a:t> o no </a:t>
+            </a:r>
+            <a:r>
+              <a:rPr lang="en-US" sz="1200" dirty="0" err="1">
+                <a:latin typeface="Arial" panose="020B0604020202020204" pitchFamily="34" charset="0"/>
+                <a:cs typeface="Arial" panose="020B0604020202020204" pitchFamily="34" charset="0"/>
+              </a:rPr>
+              <a:t>en</a:t>
+            </a:r>
+            <a:r>
+              <a:rPr lang="en-US" sz="1200" dirty="0">
+                <a:latin typeface="Arial" panose="020B0604020202020204" pitchFamily="34" charset="0"/>
+                <a:cs typeface="Arial" panose="020B0604020202020204" pitchFamily="34" charset="0"/>
+              </a:rPr>
+              <a:t> una </a:t>
+            </a:r>
+            <a:r>
+              <a:rPr lang="en-US" sz="1200" dirty="0" err="1">
+                <a:latin typeface="Arial" panose="020B0604020202020204" pitchFamily="34" charset="0"/>
+                <a:cs typeface="Arial" panose="020B0604020202020204" pitchFamily="34" charset="0"/>
+              </a:rPr>
+              <a:t>guía</a:t>
+            </a:r>
+            <a:r>
+              <a:rPr lang="en-US" sz="1200" dirty="0">
+                <a:latin typeface="Arial" panose="020B0604020202020204" pitchFamily="34" charset="0"/>
+                <a:cs typeface="Arial" panose="020B0604020202020204" pitchFamily="34" charset="0"/>
+              </a:rPr>
+              <a:t> de </a:t>
+            </a:r>
+            <a:r>
+              <a:rPr lang="en-US" sz="1200" dirty="0" err="1">
+                <a:latin typeface="Arial" panose="020B0604020202020204" pitchFamily="34" charset="0"/>
+                <a:cs typeface="Arial" panose="020B0604020202020204" pitchFamily="34" charset="0"/>
+              </a:rPr>
+              <a:t>onda</a:t>
+            </a:r>
+            <a:r>
+              <a:rPr lang="en-US" sz="1200" dirty="0">
+                <a:latin typeface="Arial" panose="020B0604020202020204" pitchFamily="34" charset="0"/>
+                <a:cs typeface="Arial" panose="020B0604020202020204" pitchFamily="34" charset="0"/>
+              </a:rPr>
+              <a:t>, </a:t>
+            </a:r>
+            <a:r>
+              <a:rPr lang="en-US" sz="1200" dirty="0" err="1">
+                <a:latin typeface="Arial" panose="020B0604020202020204" pitchFamily="34" charset="0"/>
+                <a:cs typeface="Arial" panose="020B0604020202020204" pitchFamily="34" charset="0"/>
+              </a:rPr>
+              <a:t>tiene</a:t>
+            </a:r>
+            <a:r>
+              <a:rPr lang="en-US" sz="1200" dirty="0">
+                <a:latin typeface="Arial" panose="020B0604020202020204" pitchFamily="34" charset="0"/>
+                <a:cs typeface="Arial" panose="020B0604020202020204" pitchFamily="34" charset="0"/>
+              </a:rPr>
+              <a:t> que </a:t>
+            </a:r>
+            <a:r>
+              <a:rPr lang="en-US" sz="1200" dirty="0" err="1">
+                <a:latin typeface="Arial" panose="020B0604020202020204" pitchFamily="34" charset="0"/>
+                <a:cs typeface="Arial" panose="020B0604020202020204" pitchFamily="34" charset="0"/>
+              </a:rPr>
+              <a:t>tener</a:t>
+            </a:r>
+            <a:r>
+              <a:rPr lang="en-US" sz="1200" dirty="0">
+                <a:latin typeface="Arial" panose="020B0604020202020204" pitchFamily="34" charset="0"/>
+                <a:cs typeface="Arial" panose="020B0604020202020204" pitchFamily="34" charset="0"/>
+              </a:rPr>
+              <a:t> un </a:t>
+            </a:r>
+            <a:r>
+              <a:rPr lang="en-US" sz="1200" dirty="0" err="1">
+                <a:latin typeface="Arial" panose="020B0604020202020204" pitchFamily="34" charset="0"/>
+                <a:cs typeface="Arial" panose="020B0604020202020204" pitchFamily="34" charset="0"/>
+              </a:rPr>
+              <a:t>índice</a:t>
+            </a:r>
+            <a:r>
+              <a:rPr lang="en-US" sz="1200" dirty="0">
+                <a:latin typeface="Arial" panose="020B0604020202020204" pitchFamily="34" charset="0"/>
+                <a:cs typeface="Arial" panose="020B0604020202020204" pitchFamily="34" charset="0"/>
+              </a:rPr>
+              <a:t> </a:t>
+            </a:r>
+            <a:r>
+              <a:rPr lang="en-US" sz="1200" dirty="0" err="1">
+                <a:latin typeface="Arial" panose="020B0604020202020204" pitchFamily="34" charset="0"/>
+                <a:cs typeface="Arial" panose="020B0604020202020204" pitchFamily="34" charset="0"/>
+              </a:rPr>
+              <a:t>efectivo</a:t>
+            </a:r>
+            <a:r>
+              <a:rPr lang="en-US" sz="1200" dirty="0">
+                <a:latin typeface="Arial" panose="020B0604020202020204" pitchFamily="34" charset="0"/>
+                <a:cs typeface="Arial" panose="020B0604020202020204" pitchFamily="34" charset="0"/>
+              </a:rPr>
+              <a:t> mayor al de </a:t>
+            </a:r>
+            <a:r>
+              <a:rPr lang="en-US" sz="1200" dirty="0" err="1">
+                <a:latin typeface="Arial" panose="020B0604020202020204" pitchFamily="34" charset="0"/>
+                <a:cs typeface="Arial" panose="020B0604020202020204" pitchFamily="34" charset="0"/>
+              </a:rPr>
+              <a:t>el</a:t>
+            </a:r>
+            <a:r>
+              <a:rPr lang="en-US" sz="1200" dirty="0">
+                <a:latin typeface="Arial" panose="020B0604020202020204" pitchFamily="34" charset="0"/>
+                <a:cs typeface="Arial" panose="020B0604020202020204" pitchFamily="34" charset="0"/>
+              </a:rPr>
+              <a:t> cladding (1.44, SiO2). </a:t>
+            </a:r>
+            <a:r>
+              <a:rPr lang="en-US" sz="1200" dirty="0" err="1">
+                <a:latin typeface="Arial" panose="020B0604020202020204" pitchFamily="34" charset="0"/>
+                <a:cs typeface="Arial" panose="020B0604020202020204" pitchFamily="34" charset="0"/>
+              </a:rPr>
+              <a:t>En</a:t>
+            </a:r>
+            <a:r>
+              <a:rPr lang="en-US" sz="1200" dirty="0">
+                <a:latin typeface="Arial" panose="020B0604020202020204" pitchFamily="34" charset="0"/>
+                <a:cs typeface="Arial" panose="020B0604020202020204" pitchFamily="34" charset="0"/>
+              </a:rPr>
+              <a:t> </a:t>
+            </a:r>
+            <a:r>
+              <a:rPr lang="en-US" sz="1200" dirty="0" err="1">
+                <a:latin typeface="Arial" panose="020B0604020202020204" pitchFamily="34" charset="0"/>
+                <a:cs typeface="Arial" panose="020B0604020202020204" pitchFamily="34" charset="0"/>
+              </a:rPr>
+              <a:t>este</a:t>
+            </a:r>
+            <a:r>
+              <a:rPr lang="en-US" sz="1200" dirty="0">
+                <a:latin typeface="Arial" panose="020B0604020202020204" pitchFamily="34" charset="0"/>
+                <a:cs typeface="Arial" panose="020B0604020202020204" pitchFamily="34" charset="0"/>
+              </a:rPr>
+              <a:t> </a:t>
+            </a:r>
+            <a:r>
+              <a:rPr lang="en-US" sz="1200" dirty="0" err="1">
+                <a:latin typeface="Arial" panose="020B0604020202020204" pitchFamily="34" charset="0"/>
+                <a:cs typeface="Arial" panose="020B0604020202020204" pitchFamily="34" charset="0"/>
+              </a:rPr>
+              <a:t>caso</a:t>
+            </a:r>
+            <a:r>
+              <a:rPr lang="en-US" sz="1200" dirty="0">
+                <a:latin typeface="Arial" panose="020B0604020202020204" pitchFamily="34" charset="0"/>
+                <a:cs typeface="Arial" panose="020B0604020202020204" pitchFamily="34" charset="0"/>
+              </a:rPr>
+              <a:t>, se </a:t>
+            </a:r>
+            <a:r>
+              <a:rPr lang="en-US" sz="1200" dirty="0" err="1">
+                <a:latin typeface="Arial" panose="020B0604020202020204" pitchFamily="34" charset="0"/>
+                <a:cs typeface="Arial" panose="020B0604020202020204" pitchFamily="34" charset="0"/>
+              </a:rPr>
+              <a:t>puede</a:t>
+            </a:r>
+            <a:r>
+              <a:rPr lang="en-US" sz="1200" dirty="0">
+                <a:latin typeface="Arial" panose="020B0604020202020204" pitchFamily="34" charset="0"/>
+                <a:cs typeface="Arial" panose="020B0604020202020204" pitchFamily="34" charset="0"/>
+              </a:rPr>
+              <a:t> </a:t>
+            </a:r>
+            <a:r>
+              <a:rPr lang="en-US" sz="1200" dirty="0" err="1">
+                <a:latin typeface="Arial" panose="020B0604020202020204" pitchFamily="34" charset="0"/>
+                <a:cs typeface="Arial" panose="020B0604020202020204" pitchFamily="34" charset="0"/>
+              </a:rPr>
+              <a:t>apreciar</a:t>
+            </a:r>
+            <a:r>
+              <a:rPr lang="en-US" sz="1200" dirty="0">
+                <a:latin typeface="Arial" panose="020B0604020202020204" pitchFamily="34" charset="0"/>
+                <a:cs typeface="Arial" panose="020B0604020202020204" pitchFamily="34" charset="0"/>
+              </a:rPr>
+              <a:t> que los </a:t>
+            </a:r>
+            <a:r>
+              <a:rPr lang="en-US" sz="1200" dirty="0" err="1">
+                <a:latin typeface="Arial" panose="020B0604020202020204" pitchFamily="34" charset="0"/>
+                <a:cs typeface="Arial" panose="020B0604020202020204" pitchFamily="34" charset="0"/>
+              </a:rPr>
+              <a:t>los</a:t>
+            </a:r>
+            <a:r>
+              <a:rPr lang="en-US" sz="1200" dirty="0">
+                <a:latin typeface="Arial" panose="020B0604020202020204" pitchFamily="34" charset="0"/>
+                <a:cs typeface="Arial" panose="020B0604020202020204" pitchFamily="34" charset="0"/>
+              </a:rPr>
+              <a:t> </a:t>
+            </a:r>
+            <a:r>
+              <a:rPr lang="en-US" sz="1200" dirty="0" err="1">
+                <a:latin typeface="Arial" panose="020B0604020202020204" pitchFamily="34" charset="0"/>
+                <a:cs typeface="Arial" panose="020B0604020202020204" pitchFamily="34" charset="0"/>
+              </a:rPr>
+              <a:t>únicos</a:t>
+            </a:r>
+            <a:r>
+              <a:rPr lang="en-US" sz="1200" dirty="0">
+                <a:latin typeface="Arial" panose="020B0604020202020204" pitchFamily="34" charset="0"/>
+                <a:cs typeface="Arial" panose="020B0604020202020204" pitchFamily="34" charset="0"/>
+              </a:rPr>
+              <a:t> </a:t>
+            </a:r>
+            <a:r>
+              <a:rPr lang="en-US" sz="1200" dirty="0" err="1">
+                <a:latin typeface="Arial" panose="020B0604020202020204" pitchFamily="34" charset="0"/>
+                <a:cs typeface="Arial" panose="020B0604020202020204" pitchFamily="34" charset="0"/>
+              </a:rPr>
+              <a:t>modos</a:t>
+            </a:r>
+            <a:r>
+              <a:rPr lang="en-US" sz="1200" dirty="0">
+                <a:latin typeface="Arial" panose="020B0604020202020204" pitchFamily="34" charset="0"/>
+                <a:cs typeface="Arial" panose="020B0604020202020204" pitchFamily="34" charset="0"/>
+              </a:rPr>
+              <a:t> que se </a:t>
+            </a:r>
+            <a:r>
+              <a:rPr lang="en-US" sz="1200" dirty="0" err="1">
+                <a:latin typeface="Arial" panose="020B0604020202020204" pitchFamily="34" charset="0"/>
+                <a:cs typeface="Arial" panose="020B0604020202020204" pitchFamily="34" charset="0"/>
+              </a:rPr>
+              <a:t>propagan</a:t>
+            </a:r>
+            <a:r>
+              <a:rPr lang="en-US" sz="1200" dirty="0">
+                <a:latin typeface="Arial" panose="020B0604020202020204" pitchFamily="34" charset="0"/>
+                <a:cs typeface="Arial" panose="020B0604020202020204" pitchFamily="34" charset="0"/>
+              </a:rPr>
+              <a:t> para </a:t>
+            </a:r>
+            <a:r>
+              <a:rPr lang="en-US" sz="1200" dirty="0" err="1">
+                <a:latin typeface="Arial" panose="020B0604020202020204" pitchFamily="34" charset="0"/>
+                <a:cs typeface="Arial" panose="020B0604020202020204" pitchFamily="34" charset="0"/>
+              </a:rPr>
+              <a:t>todo</a:t>
+            </a:r>
+            <a:r>
+              <a:rPr lang="en-US" sz="1200" dirty="0">
+                <a:latin typeface="Arial" panose="020B0604020202020204" pitchFamily="34" charset="0"/>
+                <a:cs typeface="Arial" panose="020B0604020202020204" pitchFamily="34" charset="0"/>
+              </a:rPr>
+              <a:t> </a:t>
+            </a:r>
+            <a:r>
+              <a:rPr lang="en-US" sz="1200" dirty="0" err="1">
+                <a:latin typeface="Arial" panose="020B0604020202020204" pitchFamily="34" charset="0"/>
+                <a:cs typeface="Arial" panose="020B0604020202020204" pitchFamily="34" charset="0"/>
+              </a:rPr>
+              <a:t>el</a:t>
+            </a:r>
+            <a:r>
+              <a:rPr lang="en-US" sz="1200" dirty="0">
+                <a:latin typeface="Arial" panose="020B0604020202020204" pitchFamily="34" charset="0"/>
+                <a:cs typeface="Arial" panose="020B0604020202020204" pitchFamily="34" charset="0"/>
+              </a:rPr>
+              <a:t> </a:t>
+            </a:r>
+            <a:r>
+              <a:rPr lang="en-US" sz="1200" dirty="0" err="1">
+                <a:latin typeface="Arial" panose="020B0604020202020204" pitchFamily="34" charset="0"/>
+                <a:cs typeface="Arial" panose="020B0604020202020204" pitchFamily="34" charset="0"/>
+              </a:rPr>
+              <a:t>rango</a:t>
+            </a:r>
+            <a:r>
+              <a:rPr lang="en-US" sz="1200" dirty="0">
+                <a:latin typeface="Arial" panose="020B0604020202020204" pitchFamily="34" charset="0"/>
+                <a:cs typeface="Arial" panose="020B0604020202020204" pitchFamily="34" charset="0"/>
+              </a:rPr>
+              <a:t> de </a:t>
+            </a:r>
+            <a:r>
+              <a:rPr lang="en-US" sz="1200" dirty="0" err="1">
+                <a:latin typeface="Arial" panose="020B0604020202020204" pitchFamily="34" charset="0"/>
+                <a:cs typeface="Arial" panose="020B0604020202020204" pitchFamily="34" charset="0"/>
+              </a:rPr>
+              <a:t>anchos</a:t>
+            </a:r>
+            <a:r>
+              <a:rPr lang="en-US" sz="1200" dirty="0">
+                <a:latin typeface="Arial" panose="020B0604020202020204" pitchFamily="34" charset="0"/>
+                <a:cs typeface="Arial" panose="020B0604020202020204" pitchFamily="34" charset="0"/>
+              </a:rPr>
+              <a:t> de </a:t>
+            </a:r>
+            <a:r>
+              <a:rPr lang="en-US" sz="1200" dirty="0" err="1">
+                <a:latin typeface="Arial" panose="020B0604020202020204" pitchFamily="34" charset="0"/>
+                <a:cs typeface="Arial" panose="020B0604020202020204" pitchFamily="34" charset="0"/>
+              </a:rPr>
+              <a:t>guía</a:t>
+            </a:r>
+            <a:r>
+              <a:rPr lang="en-US" sz="1200" dirty="0">
+                <a:latin typeface="Arial" panose="020B0604020202020204" pitchFamily="34" charset="0"/>
+                <a:cs typeface="Arial" panose="020B0604020202020204" pitchFamily="34" charset="0"/>
+              </a:rPr>
+              <a:t> de </a:t>
+            </a:r>
+            <a:r>
+              <a:rPr lang="en-US" sz="1200" dirty="0" err="1">
+                <a:latin typeface="Arial" panose="020B0604020202020204" pitchFamily="34" charset="0"/>
+                <a:cs typeface="Arial" panose="020B0604020202020204" pitchFamily="34" charset="0"/>
+              </a:rPr>
+              <a:t>onda</a:t>
+            </a:r>
+            <a:r>
+              <a:rPr lang="en-US" sz="1200" dirty="0">
+                <a:latin typeface="Arial" panose="020B0604020202020204" pitchFamily="34" charset="0"/>
+                <a:cs typeface="Arial" panose="020B0604020202020204" pitchFamily="34" charset="0"/>
+              </a:rPr>
+              <a:t> son los </a:t>
+            </a:r>
+            <a:r>
+              <a:rPr lang="en-US" sz="1200" dirty="0" err="1">
+                <a:latin typeface="Arial" panose="020B0604020202020204" pitchFamily="34" charset="0"/>
+                <a:cs typeface="Arial" panose="020B0604020202020204" pitchFamily="34" charset="0"/>
+              </a:rPr>
+              <a:t>modos</a:t>
+            </a:r>
+            <a:r>
+              <a:rPr lang="en-US" sz="1200" dirty="0">
+                <a:latin typeface="Arial" panose="020B0604020202020204" pitchFamily="34" charset="0"/>
+                <a:cs typeface="Arial" panose="020B0604020202020204" pitchFamily="34" charset="0"/>
+              </a:rPr>
+              <a:t> 0 y 1, </a:t>
+            </a:r>
+            <a:r>
+              <a:rPr lang="en-US" sz="1200" dirty="0" err="1">
+                <a:latin typeface="Arial" panose="020B0604020202020204" pitchFamily="34" charset="0"/>
+                <a:cs typeface="Arial" panose="020B0604020202020204" pitchFamily="34" charset="0"/>
+              </a:rPr>
+              <a:t>mientras</a:t>
+            </a:r>
+            <a:r>
+              <a:rPr lang="en-US" sz="1200" dirty="0">
+                <a:latin typeface="Arial" panose="020B0604020202020204" pitchFamily="34" charset="0"/>
+                <a:cs typeface="Arial" panose="020B0604020202020204" pitchFamily="34" charset="0"/>
+              </a:rPr>
+              <a:t> que </a:t>
+            </a:r>
+            <a:r>
+              <a:rPr lang="en-US" sz="1200" dirty="0" err="1">
+                <a:latin typeface="Arial" panose="020B0604020202020204" pitchFamily="34" charset="0"/>
+                <a:cs typeface="Arial" panose="020B0604020202020204" pitchFamily="34" charset="0"/>
+              </a:rPr>
+              <a:t>el</a:t>
+            </a:r>
+            <a:r>
+              <a:rPr lang="en-US" sz="1200" dirty="0">
+                <a:latin typeface="Arial" panose="020B0604020202020204" pitchFamily="34" charset="0"/>
+                <a:cs typeface="Arial" panose="020B0604020202020204" pitchFamily="34" charset="0"/>
+              </a:rPr>
+              <a:t> modo 2 </a:t>
+            </a:r>
+            <a:r>
+              <a:rPr lang="en-US" sz="1200" dirty="0" err="1">
+                <a:latin typeface="Arial" panose="020B0604020202020204" pitchFamily="34" charset="0"/>
+                <a:cs typeface="Arial" panose="020B0604020202020204" pitchFamily="34" charset="0"/>
+              </a:rPr>
+              <a:t>empezará</a:t>
+            </a:r>
+            <a:r>
+              <a:rPr lang="en-US" sz="1200" dirty="0">
+                <a:latin typeface="Arial" panose="020B0604020202020204" pitchFamily="34" charset="0"/>
+                <a:cs typeface="Arial" panose="020B0604020202020204" pitchFamily="34" charset="0"/>
+              </a:rPr>
+              <a:t> a </a:t>
+            </a:r>
+            <a:r>
+              <a:rPr lang="en-US" sz="1200" dirty="0" err="1">
+                <a:latin typeface="Arial" panose="020B0604020202020204" pitchFamily="34" charset="0"/>
+                <a:cs typeface="Arial" panose="020B0604020202020204" pitchFamily="34" charset="0"/>
+              </a:rPr>
+              <a:t>propagarse</a:t>
+            </a:r>
+            <a:r>
+              <a:rPr lang="en-US" sz="1200" dirty="0">
+                <a:latin typeface="Arial" panose="020B0604020202020204" pitchFamily="34" charset="0"/>
+                <a:cs typeface="Arial" panose="020B0604020202020204" pitchFamily="34" charset="0"/>
+              </a:rPr>
+              <a:t> para </a:t>
+            </a:r>
+            <a:r>
+              <a:rPr lang="en-US" sz="1200" dirty="0" err="1">
+                <a:latin typeface="Arial" panose="020B0604020202020204" pitchFamily="34" charset="0"/>
+                <a:cs typeface="Arial" panose="020B0604020202020204" pitchFamily="34" charset="0"/>
+              </a:rPr>
+              <a:t>anchos</a:t>
+            </a:r>
+            <a:r>
+              <a:rPr lang="en-US" sz="1200" dirty="0">
+                <a:latin typeface="Arial" panose="020B0604020202020204" pitchFamily="34" charset="0"/>
+                <a:cs typeface="Arial" panose="020B0604020202020204" pitchFamily="34" charset="0"/>
+              </a:rPr>
+              <a:t> de </a:t>
+            </a:r>
+            <a:r>
+              <a:rPr lang="en-US" sz="1200" dirty="0" err="1">
+                <a:latin typeface="Arial" panose="020B0604020202020204" pitchFamily="34" charset="0"/>
+                <a:cs typeface="Arial" panose="020B0604020202020204" pitchFamily="34" charset="0"/>
+              </a:rPr>
+              <a:t>guía</a:t>
+            </a:r>
+            <a:r>
+              <a:rPr lang="en-US" sz="1200" dirty="0">
+                <a:latin typeface="Arial" panose="020B0604020202020204" pitchFamily="34" charset="0"/>
+                <a:cs typeface="Arial" panose="020B0604020202020204" pitchFamily="34" charset="0"/>
+              </a:rPr>
+              <a:t> </a:t>
+            </a:r>
+            <a:r>
+              <a:rPr lang="en-US" sz="1200" dirty="0" err="1">
+                <a:latin typeface="Arial" panose="020B0604020202020204" pitchFamily="34" charset="0"/>
+                <a:cs typeface="Arial" panose="020B0604020202020204" pitchFamily="34" charset="0"/>
+              </a:rPr>
+              <a:t>mayores</a:t>
+            </a:r>
+            <a:r>
+              <a:rPr lang="en-US" sz="1200" dirty="0">
+                <a:latin typeface="Arial" panose="020B0604020202020204" pitchFamily="34" charset="0"/>
+                <a:cs typeface="Arial" panose="020B0604020202020204" pitchFamily="34" charset="0"/>
+              </a:rPr>
+              <a:t> a 1.3 um. Por contra </a:t>
+            </a:r>
+            <a:r>
+              <a:rPr lang="en-US" sz="1200" dirty="0" err="1">
+                <a:latin typeface="Arial" panose="020B0604020202020204" pitchFamily="34" charset="0"/>
+                <a:cs typeface="Arial" panose="020B0604020202020204" pitchFamily="34" charset="0"/>
+              </a:rPr>
+              <a:t>el</a:t>
+            </a:r>
+            <a:r>
+              <a:rPr lang="en-US" sz="1200" dirty="0">
+                <a:latin typeface="Arial" panose="020B0604020202020204" pitchFamily="34" charset="0"/>
+                <a:cs typeface="Arial" panose="020B0604020202020204" pitchFamily="34" charset="0"/>
+              </a:rPr>
+              <a:t> modo 3 no se </a:t>
+            </a:r>
+            <a:r>
+              <a:rPr lang="en-US" sz="1200" dirty="0" err="1">
+                <a:latin typeface="Arial" panose="020B0604020202020204" pitchFamily="34" charset="0"/>
+                <a:cs typeface="Arial" panose="020B0604020202020204" pitchFamily="34" charset="0"/>
+              </a:rPr>
+              <a:t>propagará</a:t>
+            </a:r>
+            <a:r>
+              <a:rPr lang="en-US" sz="1200" dirty="0">
+                <a:latin typeface="Arial" panose="020B0604020202020204" pitchFamily="34" charset="0"/>
+                <a:cs typeface="Arial" panose="020B0604020202020204" pitchFamily="34" charset="0"/>
+              </a:rPr>
+              <a:t> para </a:t>
+            </a:r>
+            <a:r>
+              <a:rPr lang="en-US" sz="1200" dirty="0" err="1">
+                <a:latin typeface="Arial" panose="020B0604020202020204" pitchFamily="34" charset="0"/>
+                <a:cs typeface="Arial" panose="020B0604020202020204" pitchFamily="34" charset="0"/>
+              </a:rPr>
+              <a:t>ningún</a:t>
+            </a:r>
+            <a:r>
+              <a:rPr lang="en-US" sz="1200" dirty="0">
+                <a:latin typeface="Arial" panose="020B0604020202020204" pitchFamily="34" charset="0"/>
+                <a:cs typeface="Arial" panose="020B0604020202020204" pitchFamily="34" charset="0"/>
+              </a:rPr>
+              <a:t> ancho dentro del </a:t>
+            </a:r>
+            <a:r>
+              <a:rPr lang="en-US" sz="1200" dirty="0" err="1">
+                <a:latin typeface="Arial" panose="020B0604020202020204" pitchFamily="34" charset="0"/>
+                <a:cs typeface="Arial" panose="020B0604020202020204" pitchFamily="34" charset="0"/>
+              </a:rPr>
+              <a:t>rango</a:t>
+            </a:r>
+            <a:r>
+              <a:rPr lang="en-US" sz="1200" dirty="0">
+                <a:latin typeface="Arial" panose="020B0604020202020204" pitchFamily="34" charset="0"/>
+                <a:cs typeface="Arial" panose="020B0604020202020204" pitchFamily="34" charset="0"/>
+              </a:rPr>
+              <a:t> </a:t>
+            </a:r>
+            <a:r>
+              <a:rPr lang="en-US" sz="1200" dirty="0" err="1">
+                <a:latin typeface="Arial" panose="020B0604020202020204" pitchFamily="34" charset="0"/>
+                <a:cs typeface="Arial" panose="020B0604020202020204" pitchFamily="34" charset="0"/>
+              </a:rPr>
+              <a:t>propuesto</a:t>
+            </a:r>
+            <a:r>
+              <a:rPr lang="en-US" sz="1200" dirty="0">
+                <a:latin typeface="Arial" panose="020B0604020202020204" pitchFamily="34" charset="0"/>
+                <a:cs typeface="Arial" panose="020B0604020202020204" pitchFamily="34" charset="0"/>
+              </a:rPr>
+              <a:t>, es </a:t>
+            </a:r>
+            <a:r>
+              <a:rPr lang="en-US" sz="1200" dirty="0" err="1">
+                <a:latin typeface="Arial" panose="020B0604020202020204" pitchFamily="34" charset="0"/>
+                <a:cs typeface="Arial" panose="020B0604020202020204" pitchFamily="34" charset="0"/>
+              </a:rPr>
+              <a:t>decir</a:t>
+            </a:r>
+            <a:r>
+              <a:rPr lang="en-US" sz="1200" dirty="0">
+                <a:latin typeface="Arial" panose="020B0604020202020204" pitchFamily="34" charset="0"/>
+                <a:cs typeface="Arial" panose="020B0604020202020204" pitchFamily="34" charset="0"/>
+              </a:rPr>
+              <a:t>, </a:t>
+            </a:r>
+            <a:r>
+              <a:rPr lang="en-US" sz="1200" dirty="0" err="1">
+                <a:latin typeface="Arial" panose="020B0604020202020204" pitchFamily="34" charset="0"/>
+                <a:cs typeface="Arial" panose="020B0604020202020204" pitchFamily="34" charset="0"/>
+              </a:rPr>
+              <a:t>este</a:t>
+            </a:r>
+            <a:r>
+              <a:rPr lang="en-US" sz="1200" dirty="0">
+                <a:latin typeface="Arial" panose="020B0604020202020204" pitchFamily="34" charset="0"/>
+                <a:cs typeface="Arial" panose="020B0604020202020204" pitchFamily="34" charset="0"/>
+              </a:rPr>
+              <a:t> modo </a:t>
+            </a:r>
+            <a:r>
+              <a:rPr lang="en-US" sz="1200" dirty="0" err="1">
+                <a:latin typeface="Arial" panose="020B0604020202020204" pitchFamily="34" charset="0"/>
+                <a:cs typeface="Arial" panose="020B0604020202020204" pitchFamily="34" charset="0"/>
+              </a:rPr>
+              <a:t>está</a:t>
+            </a:r>
+            <a:r>
+              <a:rPr lang="en-US" sz="1200" dirty="0">
+                <a:latin typeface="Arial" panose="020B0604020202020204" pitchFamily="34" charset="0"/>
+                <a:cs typeface="Arial" panose="020B0604020202020204" pitchFamily="34" charset="0"/>
+              </a:rPr>
+              <a:t> </a:t>
+            </a:r>
+            <a:r>
+              <a:rPr lang="en-US" sz="1200" dirty="0" err="1">
+                <a:latin typeface="Arial" panose="020B0604020202020204" pitchFamily="34" charset="0"/>
+                <a:cs typeface="Arial" panose="020B0604020202020204" pitchFamily="34" charset="0"/>
+              </a:rPr>
+              <a:t>en</a:t>
+            </a:r>
+            <a:r>
+              <a:rPr lang="en-US" sz="1200" dirty="0">
+                <a:latin typeface="Arial" panose="020B0604020202020204" pitchFamily="34" charset="0"/>
+                <a:cs typeface="Arial" panose="020B0604020202020204" pitchFamily="34" charset="0"/>
+              </a:rPr>
+              <a:t> </a:t>
+            </a:r>
+            <a:r>
+              <a:rPr lang="en-US" sz="1200" dirty="0" err="1">
+                <a:latin typeface="Arial" panose="020B0604020202020204" pitchFamily="34" charset="0"/>
+                <a:cs typeface="Arial" panose="020B0604020202020204" pitchFamily="34" charset="0"/>
+              </a:rPr>
+              <a:t>corte</a:t>
+            </a:r>
+            <a:r>
+              <a:rPr lang="en-US" sz="1200" dirty="0">
+                <a:latin typeface="Arial" panose="020B0604020202020204" pitchFamily="34" charset="0"/>
+                <a:cs typeface="Arial" panose="020B0604020202020204" pitchFamily="34" charset="0"/>
+              </a:rPr>
+              <a:t>.</a:t>
+            </a:r>
           </a:p>
           <a:p>
             <a:pPr algn="just"/>
@@ -5716,17 +6473,538 @@
           </a:p>
           <a:p>
             <a:pPr algn="just"/>
-            <a:endParaRPr lang="en-US" sz="1200" dirty="0">
-              <a:latin typeface="Arial" panose="020B0604020202020204" pitchFamily="34" charset="0"/>
-              <a:cs typeface="Arial" panose="020B0604020202020204" pitchFamily="34" charset="0"/>
-            </a:endParaRPr>
-          </a:p>
-          <a:p>
-            <a:pPr algn="just"/>
-            <a:endParaRPr lang="en-US" sz="1200" dirty="0">
-              <a:latin typeface="Arial" panose="020B0604020202020204" pitchFamily="34" charset="0"/>
-              <a:cs typeface="Arial" panose="020B0604020202020204" pitchFamily="34" charset="0"/>
-            </a:endParaRPr>
+            <a:r>
+              <a:rPr lang="en-US" sz="1200" dirty="0" err="1">
+                <a:latin typeface="Arial" panose="020B0604020202020204" pitchFamily="34" charset="0"/>
+                <a:cs typeface="Arial" panose="020B0604020202020204" pitchFamily="34" charset="0"/>
+              </a:rPr>
+              <a:t>También</a:t>
+            </a:r>
+            <a:r>
+              <a:rPr lang="en-US" sz="1200" dirty="0">
+                <a:latin typeface="Arial" panose="020B0604020202020204" pitchFamily="34" charset="0"/>
+                <a:cs typeface="Arial" panose="020B0604020202020204" pitchFamily="34" charset="0"/>
+              </a:rPr>
+              <a:t> </a:t>
+            </a:r>
+            <a:r>
+              <a:rPr lang="en-US" sz="1200" dirty="0" err="1">
+                <a:latin typeface="Arial" panose="020B0604020202020204" pitchFamily="34" charset="0"/>
+                <a:cs typeface="Arial" panose="020B0604020202020204" pitchFamily="34" charset="0"/>
+              </a:rPr>
+              <a:t>podemos</a:t>
+            </a:r>
+            <a:r>
+              <a:rPr lang="en-US" sz="1200" dirty="0">
+                <a:latin typeface="Arial" panose="020B0604020202020204" pitchFamily="34" charset="0"/>
+                <a:cs typeface="Arial" panose="020B0604020202020204" pitchFamily="34" charset="0"/>
+              </a:rPr>
+              <a:t> observer que </a:t>
+            </a:r>
+            <a:r>
+              <a:rPr lang="en-US" sz="1200" dirty="0" err="1">
+                <a:latin typeface="Arial" panose="020B0604020202020204" pitchFamily="34" charset="0"/>
+                <a:cs typeface="Arial" panose="020B0604020202020204" pitchFamily="34" charset="0"/>
+              </a:rPr>
+              <a:t>el</a:t>
+            </a:r>
+            <a:r>
+              <a:rPr lang="en-US" sz="1200" dirty="0">
+                <a:latin typeface="Arial" panose="020B0604020202020204" pitchFamily="34" charset="0"/>
+                <a:cs typeface="Arial" panose="020B0604020202020204" pitchFamily="34" charset="0"/>
+              </a:rPr>
+              <a:t> </a:t>
+            </a:r>
+            <a:r>
+              <a:rPr lang="en-US" sz="1200" dirty="0" err="1">
+                <a:latin typeface="Arial" panose="020B0604020202020204" pitchFamily="34" charset="0"/>
+                <a:cs typeface="Arial" panose="020B0604020202020204" pitchFamily="34" charset="0"/>
+              </a:rPr>
+              <a:t>índice</a:t>
+            </a:r>
+            <a:r>
+              <a:rPr lang="en-US" sz="1200" dirty="0">
+                <a:latin typeface="Arial" panose="020B0604020202020204" pitchFamily="34" charset="0"/>
+                <a:cs typeface="Arial" panose="020B0604020202020204" pitchFamily="34" charset="0"/>
+              </a:rPr>
+              <a:t> </a:t>
+            </a:r>
+            <a:r>
+              <a:rPr lang="en-US" sz="1200" dirty="0" err="1">
+                <a:latin typeface="Arial" panose="020B0604020202020204" pitchFamily="34" charset="0"/>
+                <a:cs typeface="Arial" panose="020B0604020202020204" pitchFamily="34" charset="0"/>
+              </a:rPr>
+              <a:t>efectivo</a:t>
+            </a:r>
+            <a:r>
+              <a:rPr lang="en-US" sz="1200" dirty="0">
+                <a:latin typeface="Arial" panose="020B0604020202020204" pitchFamily="34" charset="0"/>
+                <a:cs typeface="Arial" panose="020B0604020202020204" pitchFamily="34" charset="0"/>
+              </a:rPr>
+              <a:t> </a:t>
+            </a:r>
+            <a:r>
+              <a:rPr lang="en-US" sz="1200" dirty="0" err="1">
+                <a:latin typeface="Arial" panose="020B0604020202020204" pitchFamily="34" charset="0"/>
+                <a:cs typeface="Arial" panose="020B0604020202020204" pitchFamily="34" charset="0"/>
+              </a:rPr>
+              <a:t>va</a:t>
+            </a:r>
+            <a:r>
+              <a:rPr lang="en-US" sz="1200" dirty="0">
+                <a:latin typeface="Arial" panose="020B0604020202020204" pitchFamily="34" charset="0"/>
+                <a:cs typeface="Arial" panose="020B0604020202020204" pitchFamily="34" charset="0"/>
+              </a:rPr>
+              <a:t> </a:t>
+            </a:r>
+            <a:r>
+              <a:rPr lang="en-US" sz="1200" dirty="0" err="1">
+                <a:latin typeface="Arial" panose="020B0604020202020204" pitchFamily="34" charset="0"/>
+                <a:cs typeface="Arial" panose="020B0604020202020204" pitchFamily="34" charset="0"/>
+              </a:rPr>
+              <a:t>aumentando</a:t>
+            </a:r>
+            <a:r>
+              <a:rPr lang="en-US" sz="1200" dirty="0">
+                <a:latin typeface="Arial" panose="020B0604020202020204" pitchFamily="34" charset="0"/>
+                <a:cs typeface="Arial" panose="020B0604020202020204" pitchFamily="34" charset="0"/>
+              </a:rPr>
+              <a:t> a </a:t>
+            </a:r>
+            <a:r>
+              <a:rPr lang="en-US" sz="1200" dirty="0" err="1">
+                <a:latin typeface="Arial" panose="020B0604020202020204" pitchFamily="34" charset="0"/>
+                <a:cs typeface="Arial" panose="020B0604020202020204" pitchFamily="34" charset="0"/>
+              </a:rPr>
+              <a:t>medida</a:t>
+            </a:r>
+            <a:r>
+              <a:rPr lang="en-US" sz="1200" dirty="0">
+                <a:latin typeface="Arial" panose="020B0604020202020204" pitchFamily="34" charset="0"/>
+                <a:cs typeface="Arial" panose="020B0604020202020204" pitchFamily="34" charset="0"/>
+              </a:rPr>
+              <a:t> que </a:t>
+            </a:r>
+            <a:r>
+              <a:rPr lang="en-US" sz="1200" dirty="0" err="1">
+                <a:latin typeface="Arial" panose="020B0604020202020204" pitchFamily="34" charset="0"/>
+                <a:cs typeface="Arial" panose="020B0604020202020204" pitchFamily="34" charset="0"/>
+              </a:rPr>
+              <a:t>aumenta</a:t>
+            </a:r>
+            <a:r>
+              <a:rPr lang="en-US" sz="1200" dirty="0">
+                <a:latin typeface="Arial" panose="020B0604020202020204" pitchFamily="34" charset="0"/>
+                <a:cs typeface="Arial" panose="020B0604020202020204" pitchFamily="34" charset="0"/>
+              </a:rPr>
+              <a:t> </a:t>
+            </a:r>
+            <a:r>
+              <a:rPr lang="en-US" sz="1200" dirty="0" err="1">
+                <a:latin typeface="Arial" panose="020B0604020202020204" pitchFamily="34" charset="0"/>
+                <a:cs typeface="Arial" panose="020B0604020202020204" pitchFamily="34" charset="0"/>
+              </a:rPr>
+              <a:t>el</a:t>
+            </a:r>
+            <a:r>
+              <a:rPr lang="en-US" sz="1200" dirty="0">
+                <a:latin typeface="Arial" panose="020B0604020202020204" pitchFamily="34" charset="0"/>
+                <a:cs typeface="Arial" panose="020B0604020202020204" pitchFamily="34" charset="0"/>
+              </a:rPr>
+              <a:t> ancho de la </a:t>
+            </a:r>
+            <a:r>
+              <a:rPr lang="en-US" sz="1200" dirty="0" err="1">
+                <a:latin typeface="Arial" panose="020B0604020202020204" pitchFamily="34" charset="0"/>
+                <a:cs typeface="Arial" panose="020B0604020202020204" pitchFamily="34" charset="0"/>
+              </a:rPr>
+              <a:t>guía</a:t>
+            </a:r>
+            <a:r>
+              <a:rPr lang="en-US" sz="1200" dirty="0">
+                <a:latin typeface="Arial" panose="020B0604020202020204" pitchFamily="34" charset="0"/>
+                <a:cs typeface="Arial" panose="020B0604020202020204" pitchFamily="34" charset="0"/>
+              </a:rPr>
+              <a:t> de </a:t>
+            </a:r>
+            <a:r>
+              <a:rPr lang="en-US" sz="1200" dirty="0" err="1">
+                <a:latin typeface="Arial" panose="020B0604020202020204" pitchFamily="34" charset="0"/>
+                <a:cs typeface="Arial" panose="020B0604020202020204" pitchFamily="34" charset="0"/>
+              </a:rPr>
+              <a:t>onda</a:t>
+            </a:r>
+            <a:r>
+              <a:rPr lang="en-US" sz="1200" dirty="0">
+                <a:latin typeface="Arial" panose="020B0604020202020204" pitchFamily="34" charset="0"/>
+                <a:cs typeface="Arial" panose="020B0604020202020204" pitchFamily="34" charset="0"/>
+              </a:rPr>
+              <a:t>, </a:t>
+            </a:r>
+            <a:r>
+              <a:rPr lang="en-US" sz="1200" dirty="0" err="1">
+                <a:latin typeface="Arial" panose="020B0604020202020204" pitchFamily="34" charset="0"/>
+                <a:cs typeface="Arial" panose="020B0604020202020204" pitchFamily="34" charset="0"/>
+              </a:rPr>
+              <a:t>esto</a:t>
+            </a:r>
+            <a:r>
+              <a:rPr lang="en-US" sz="1200" dirty="0">
+                <a:latin typeface="Arial" panose="020B0604020202020204" pitchFamily="34" charset="0"/>
+                <a:cs typeface="Arial" panose="020B0604020202020204" pitchFamily="34" charset="0"/>
+              </a:rPr>
+              <a:t> es </a:t>
+            </a:r>
+            <a:r>
+              <a:rPr lang="en-US" sz="1200" dirty="0" err="1">
+                <a:latin typeface="Arial" panose="020B0604020202020204" pitchFamily="34" charset="0"/>
+                <a:cs typeface="Arial" panose="020B0604020202020204" pitchFamily="34" charset="0"/>
+              </a:rPr>
+              <a:t>debido</a:t>
+            </a:r>
+            <a:r>
+              <a:rPr lang="en-US" sz="1200" dirty="0">
+                <a:latin typeface="Arial" panose="020B0604020202020204" pitchFamily="34" charset="0"/>
+                <a:cs typeface="Arial" panose="020B0604020202020204" pitchFamily="34" charset="0"/>
+              </a:rPr>
+              <a:t> a que </a:t>
+            </a:r>
+            <a:r>
+              <a:rPr lang="en-US" sz="1200" dirty="0" err="1">
+                <a:latin typeface="Arial" panose="020B0604020202020204" pitchFamily="34" charset="0"/>
+                <a:cs typeface="Arial" panose="020B0604020202020204" pitchFamily="34" charset="0"/>
+              </a:rPr>
+              <a:t>el</a:t>
+            </a:r>
+            <a:r>
+              <a:rPr lang="en-US" sz="1200" dirty="0">
+                <a:latin typeface="Arial" panose="020B0604020202020204" pitchFamily="34" charset="0"/>
+                <a:cs typeface="Arial" panose="020B0604020202020204" pitchFamily="34" charset="0"/>
+              </a:rPr>
+              <a:t> modo </a:t>
+            </a:r>
+            <a:r>
+              <a:rPr lang="en-US" sz="1200" dirty="0" err="1">
+                <a:latin typeface="Arial" panose="020B0604020202020204" pitchFamily="34" charset="0"/>
+                <a:cs typeface="Arial" panose="020B0604020202020204" pitchFamily="34" charset="0"/>
+              </a:rPr>
+              <a:t>está</a:t>
+            </a:r>
+            <a:r>
+              <a:rPr lang="en-US" sz="1200" dirty="0">
+                <a:latin typeface="Arial" panose="020B0604020202020204" pitchFamily="34" charset="0"/>
+                <a:cs typeface="Arial" panose="020B0604020202020204" pitchFamily="34" charset="0"/>
+              </a:rPr>
+              <a:t> </a:t>
+            </a:r>
+            <a:r>
+              <a:rPr lang="en-US" sz="1200" dirty="0" err="1">
+                <a:latin typeface="Arial" panose="020B0604020202020204" pitchFamily="34" charset="0"/>
+                <a:cs typeface="Arial" panose="020B0604020202020204" pitchFamily="34" charset="0"/>
+              </a:rPr>
+              <a:t>más</a:t>
+            </a:r>
+            <a:r>
+              <a:rPr lang="en-US" sz="1200" dirty="0">
+                <a:latin typeface="Arial" panose="020B0604020202020204" pitchFamily="34" charset="0"/>
+                <a:cs typeface="Arial" panose="020B0604020202020204" pitchFamily="34" charset="0"/>
+              </a:rPr>
+              <a:t> </a:t>
+            </a:r>
+            <a:r>
+              <a:rPr lang="en-US" sz="1200" dirty="0" err="1">
+                <a:latin typeface="Arial" panose="020B0604020202020204" pitchFamily="34" charset="0"/>
+                <a:cs typeface="Arial" panose="020B0604020202020204" pitchFamily="34" charset="0"/>
+              </a:rPr>
+              <a:t>confinado</a:t>
+            </a:r>
+            <a:r>
+              <a:rPr lang="en-US" sz="1200" dirty="0">
+                <a:latin typeface="Arial" panose="020B0604020202020204" pitchFamily="34" charset="0"/>
+                <a:cs typeface="Arial" panose="020B0604020202020204" pitchFamily="34" charset="0"/>
+              </a:rPr>
+              <a:t> </a:t>
+            </a:r>
+            <a:r>
+              <a:rPr lang="en-US" sz="1200" dirty="0" err="1">
+                <a:latin typeface="Arial" panose="020B0604020202020204" pitchFamily="34" charset="0"/>
+                <a:cs typeface="Arial" panose="020B0604020202020204" pitchFamily="34" charset="0"/>
+              </a:rPr>
+              <a:t>en</a:t>
+            </a:r>
+            <a:r>
+              <a:rPr lang="en-US" sz="1200" dirty="0">
+                <a:latin typeface="Arial" panose="020B0604020202020204" pitchFamily="34" charset="0"/>
+                <a:cs typeface="Arial" panose="020B0604020202020204" pitchFamily="34" charset="0"/>
+              </a:rPr>
+              <a:t> </a:t>
+            </a:r>
+            <a:r>
+              <a:rPr lang="en-US" sz="1200" dirty="0" err="1">
+                <a:latin typeface="Arial" panose="020B0604020202020204" pitchFamily="34" charset="0"/>
+                <a:cs typeface="Arial" panose="020B0604020202020204" pitchFamily="34" charset="0"/>
+              </a:rPr>
+              <a:t>el</a:t>
+            </a:r>
+            <a:r>
+              <a:rPr lang="en-US" sz="1200" dirty="0">
+                <a:latin typeface="Arial" panose="020B0604020202020204" pitchFamily="34" charset="0"/>
+                <a:cs typeface="Arial" panose="020B0604020202020204" pitchFamily="34" charset="0"/>
+              </a:rPr>
+              <a:t> </a:t>
+            </a:r>
+            <a:r>
+              <a:rPr lang="en-US" sz="1200" dirty="0" err="1">
+                <a:latin typeface="Arial" panose="020B0604020202020204" pitchFamily="34" charset="0"/>
+                <a:cs typeface="Arial" panose="020B0604020202020204" pitchFamily="34" charset="0"/>
+              </a:rPr>
+              <a:t>núcleo</a:t>
+            </a:r>
+            <a:r>
+              <a:rPr lang="en-US" sz="1200" dirty="0">
+                <a:latin typeface="Arial" panose="020B0604020202020204" pitchFamily="34" charset="0"/>
+                <a:cs typeface="Arial" panose="020B0604020202020204" pitchFamily="34" charset="0"/>
+              </a:rPr>
+              <a:t>. </a:t>
+            </a:r>
+            <a:r>
+              <a:rPr lang="en-US" sz="1200" dirty="0" err="1">
+                <a:latin typeface="Arial" panose="020B0604020202020204" pitchFamily="34" charset="0"/>
+                <a:cs typeface="Arial" panose="020B0604020202020204" pitchFamily="34" charset="0"/>
+              </a:rPr>
+              <a:t>Además</a:t>
+            </a:r>
+            <a:r>
+              <a:rPr lang="en-US" sz="1200" dirty="0">
+                <a:latin typeface="Arial" panose="020B0604020202020204" pitchFamily="34" charset="0"/>
+                <a:cs typeface="Arial" panose="020B0604020202020204" pitchFamily="34" charset="0"/>
+              </a:rPr>
+              <a:t>, con </a:t>
+            </a:r>
+            <a:r>
+              <a:rPr lang="en-US" sz="1200" dirty="0" err="1">
+                <a:latin typeface="Arial" panose="020B0604020202020204" pitchFamily="34" charset="0"/>
+                <a:cs typeface="Arial" panose="020B0604020202020204" pitchFamily="34" charset="0"/>
+              </a:rPr>
+              <a:t>el</a:t>
+            </a:r>
+            <a:r>
+              <a:rPr lang="en-US" sz="1200" dirty="0">
+                <a:latin typeface="Arial" panose="020B0604020202020204" pitchFamily="34" charset="0"/>
+                <a:cs typeface="Arial" panose="020B0604020202020204" pitchFamily="34" charset="0"/>
+              </a:rPr>
+              <a:t> </a:t>
+            </a:r>
+            <a:r>
+              <a:rPr lang="en-US" sz="1200" dirty="0" err="1">
+                <a:latin typeface="Arial" panose="020B0604020202020204" pitchFamily="34" charset="0"/>
+                <a:cs typeface="Arial" panose="020B0604020202020204" pitchFamily="34" charset="0"/>
+              </a:rPr>
+              <a:t>aumento</a:t>
+            </a:r>
+            <a:r>
+              <a:rPr lang="en-US" sz="1200" dirty="0">
+                <a:latin typeface="Arial" panose="020B0604020202020204" pitchFamily="34" charset="0"/>
+                <a:cs typeface="Arial" panose="020B0604020202020204" pitchFamily="34" charset="0"/>
+              </a:rPr>
+              <a:t> del ancho de la </a:t>
+            </a:r>
+            <a:r>
+              <a:rPr lang="en-US" sz="1200" dirty="0" err="1">
+                <a:latin typeface="Arial" panose="020B0604020202020204" pitchFamily="34" charset="0"/>
+                <a:cs typeface="Arial" panose="020B0604020202020204" pitchFamily="34" charset="0"/>
+              </a:rPr>
+              <a:t>guía</a:t>
+            </a:r>
+            <a:r>
+              <a:rPr lang="en-US" sz="1200" dirty="0">
+                <a:latin typeface="Arial" panose="020B0604020202020204" pitchFamily="34" charset="0"/>
+                <a:cs typeface="Arial" panose="020B0604020202020204" pitchFamily="34" charset="0"/>
+              </a:rPr>
+              <a:t> </a:t>
+            </a:r>
+            <a:r>
+              <a:rPr lang="en-US" sz="1200" dirty="0" err="1">
+                <a:latin typeface="Arial" panose="020B0604020202020204" pitchFamily="34" charset="0"/>
+                <a:cs typeface="Arial" panose="020B0604020202020204" pitchFamily="34" charset="0"/>
+              </a:rPr>
+              <a:t>también</a:t>
+            </a:r>
+            <a:r>
+              <a:rPr lang="en-US" sz="1200" dirty="0">
+                <a:latin typeface="Arial" panose="020B0604020202020204" pitchFamily="34" charset="0"/>
+                <a:cs typeface="Arial" panose="020B0604020202020204" pitchFamily="34" charset="0"/>
+              </a:rPr>
+              <a:t> hay un </a:t>
+            </a:r>
+            <a:r>
+              <a:rPr lang="en-US" sz="1200" dirty="0" err="1">
+                <a:latin typeface="Arial" panose="020B0604020202020204" pitchFamily="34" charset="0"/>
+                <a:cs typeface="Arial" panose="020B0604020202020204" pitchFamily="34" charset="0"/>
+              </a:rPr>
+              <a:t>aumento</a:t>
+            </a:r>
+            <a:r>
+              <a:rPr lang="en-US" sz="1200" dirty="0">
+                <a:latin typeface="Arial" panose="020B0604020202020204" pitchFamily="34" charset="0"/>
+                <a:cs typeface="Arial" panose="020B0604020202020204" pitchFamily="34" charset="0"/>
+              </a:rPr>
+              <a:t> de los </a:t>
+            </a:r>
+            <a:r>
+              <a:rPr lang="en-US" sz="1200" dirty="0" err="1">
+                <a:latin typeface="Arial" panose="020B0604020202020204" pitchFamily="34" charset="0"/>
+                <a:cs typeface="Arial" panose="020B0604020202020204" pitchFamily="34" charset="0"/>
+              </a:rPr>
+              <a:t>modos</a:t>
+            </a:r>
+            <a:r>
+              <a:rPr lang="en-US" sz="1200" dirty="0">
+                <a:latin typeface="Arial" panose="020B0604020202020204" pitchFamily="34" charset="0"/>
+                <a:cs typeface="Arial" panose="020B0604020202020204" pitchFamily="34" charset="0"/>
+              </a:rPr>
+              <a:t> </a:t>
+            </a:r>
+            <a:r>
+              <a:rPr lang="en-US" sz="1200" dirty="0" err="1">
+                <a:latin typeface="Arial" panose="020B0604020202020204" pitchFamily="34" charset="0"/>
+                <a:cs typeface="Arial" panose="020B0604020202020204" pitchFamily="34" charset="0"/>
+              </a:rPr>
+              <a:t>propagados</a:t>
+            </a:r>
+            <a:r>
+              <a:rPr lang="en-US" sz="1200" dirty="0">
+                <a:latin typeface="Arial" panose="020B0604020202020204" pitchFamily="34" charset="0"/>
+                <a:cs typeface="Arial" panose="020B0604020202020204" pitchFamily="34" charset="0"/>
+              </a:rPr>
+              <a:t> </a:t>
+            </a:r>
+            <a:r>
+              <a:rPr lang="en-US" sz="1200" dirty="0" err="1">
+                <a:latin typeface="Arial" panose="020B0604020202020204" pitchFamily="34" charset="0"/>
+                <a:cs typeface="Arial" panose="020B0604020202020204" pitchFamily="34" charset="0"/>
+              </a:rPr>
+              <a:t>ya</a:t>
+            </a:r>
+            <a:r>
+              <a:rPr lang="en-US" sz="1200" dirty="0">
+                <a:latin typeface="Arial" panose="020B0604020202020204" pitchFamily="34" charset="0"/>
+                <a:cs typeface="Arial" panose="020B0604020202020204" pitchFamily="34" charset="0"/>
+              </a:rPr>
+              <a:t> que la luz </a:t>
+            </a:r>
+            <a:r>
+              <a:rPr lang="en-US" sz="1200" dirty="0" err="1">
+                <a:latin typeface="Arial" panose="020B0604020202020204" pitchFamily="34" charset="0"/>
+                <a:cs typeface="Arial" panose="020B0604020202020204" pitchFamily="34" charset="0"/>
+              </a:rPr>
+              <a:t>tiene</a:t>
+            </a:r>
+            <a:r>
+              <a:rPr lang="en-US" sz="1200" dirty="0">
+                <a:latin typeface="Arial" panose="020B0604020202020204" pitchFamily="34" charset="0"/>
+                <a:cs typeface="Arial" panose="020B0604020202020204" pitchFamily="34" charset="0"/>
+              </a:rPr>
+              <a:t> </a:t>
+            </a:r>
+            <a:r>
+              <a:rPr lang="en-US" sz="1200" dirty="0" err="1">
+                <a:latin typeface="Arial" panose="020B0604020202020204" pitchFamily="34" charset="0"/>
+                <a:cs typeface="Arial" panose="020B0604020202020204" pitchFamily="34" charset="0"/>
+              </a:rPr>
+              <a:t>más</a:t>
+            </a:r>
+            <a:r>
+              <a:rPr lang="en-US" sz="1200" dirty="0">
+                <a:latin typeface="Arial" panose="020B0604020202020204" pitchFamily="34" charset="0"/>
+                <a:cs typeface="Arial" panose="020B0604020202020204" pitchFamily="34" charset="0"/>
+              </a:rPr>
+              <a:t> </a:t>
+            </a:r>
+            <a:r>
+              <a:rPr lang="en-US" sz="1200" dirty="0" err="1">
+                <a:latin typeface="Arial" panose="020B0604020202020204" pitchFamily="34" charset="0"/>
+                <a:cs typeface="Arial" panose="020B0604020202020204" pitchFamily="34" charset="0"/>
+              </a:rPr>
+              <a:t>espacio</a:t>
+            </a:r>
+            <a:r>
+              <a:rPr lang="en-US" sz="1200" dirty="0">
+                <a:latin typeface="Arial" panose="020B0604020202020204" pitchFamily="34" charset="0"/>
+                <a:cs typeface="Arial" panose="020B0604020202020204" pitchFamily="34" charset="0"/>
+              </a:rPr>
+              <a:t> para </a:t>
+            </a:r>
+            <a:r>
+              <a:rPr lang="en-US" sz="1200" dirty="0" err="1">
+                <a:latin typeface="Arial" panose="020B0604020202020204" pitchFamily="34" charset="0"/>
+                <a:cs typeface="Arial" panose="020B0604020202020204" pitchFamily="34" charset="0"/>
+              </a:rPr>
+              <a:t>poder</a:t>
+            </a:r>
+            <a:r>
+              <a:rPr lang="en-US" sz="1200" dirty="0">
+                <a:latin typeface="Arial" panose="020B0604020202020204" pitchFamily="34" charset="0"/>
+                <a:cs typeface="Arial" panose="020B0604020202020204" pitchFamily="34" charset="0"/>
+              </a:rPr>
+              <a:t> </a:t>
+            </a:r>
+            <a:r>
+              <a:rPr lang="en-US" sz="1200" dirty="0" err="1">
+                <a:latin typeface="Arial" panose="020B0604020202020204" pitchFamily="34" charset="0"/>
+                <a:cs typeface="Arial" panose="020B0604020202020204" pitchFamily="34" charset="0"/>
+              </a:rPr>
+              <a:t>albergar</a:t>
+            </a:r>
+            <a:r>
+              <a:rPr lang="en-US" sz="1200" dirty="0">
+                <a:latin typeface="Arial" panose="020B0604020202020204" pitchFamily="34" charset="0"/>
+                <a:cs typeface="Arial" panose="020B0604020202020204" pitchFamily="34" charset="0"/>
+              </a:rPr>
+              <a:t> </a:t>
+            </a:r>
+            <a:r>
+              <a:rPr lang="en-US" sz="1200" dirty="0" err="1">
+                <a:latin typeface="Arial" panose="020B0604020202020204" pitchFamily="34" charset="0"/>
+                <a:cs typeface="Arial" panose="020B0604020202020204" pitchFamily="34" charset="0"/>
+              </a:rPr>
+              <a:t>mayores</a:t>
+            </a:r>
+            <a:r>
+              <a:rPr lang="en-US" sz="1200" dirty="0">
+                <a:latin typeface="Arial" panose="020B0604020202020204" pitchFamily="34" charset="0"/>
+                <a:cs typeface="Arial" panose="020B0604020202020204" pitchFamily="34" charset="0"/>
+              </a:rPr>
+              <a:t> </a:t>
+            </a:r>
+            <a:r>
+              <a:rPr lang="en-US" sz="1200" dirty="0" err="1">
+                <a:latin typeface="Arial" panose="020B0604020202020204" pitchFamily="34" charset="0"/>
+                <a:cs typeface="Arial" panose="020B0604020202020204" pitchFamily="34" charset="0"/>
+              </a:rPr>
+              <a:t>patrones</a:t>
+            </a:r>
+            <a:r>
+              <a:rPr lang="en-US" sz="1200" dirty="0">
+                <a:latin typeface="Arial" panose="020B0604020202020204" pitchFamily="34" charset="0"/>
+                <a:cs typeface="Arial" panose="020B0604020202020204" pitchFamily="34" charset="0"/>
+              </a:rPr>
+              <a:t> de luz </a:t>
+            </a:r>
+            <a:r>
+              <a:rPr lang="en-US" sz="1200" dirty="0" err="1">
+                <a:latin typeface="Arial" panose="020B0604020202020204" pitchFamily="34" charset="0"/>
+                <a:cs typeface="Arial" panose="020B0604020202020204" pitchFamily="34" charset="0"/>
+              </a:rPr>
+              <a:t>permitidos</a:t>
+            </a:r>
+            <a:r>
+              <a:rPr lang="en-US" sz="1200" dirty="0">
+                <a:latin typeface="Arial" panose="020B0604020202020204" pitchFamily="34" charset="0"/>
+                <a:cs typeface="Arial" panose="020B0604020202020204" pitchFamily="34" charset="0"/>
+              </a:rPr>
+              <a:t>.</a:t>
+            </a:r>
           </a:p>
         </p:txBody>
       </p:sp>
@@ -5744,7 +7022,7 @@
         </p:nvSpPr>
         <p:spPr>
           <a:xfrm>
-            <a:off x="609441" y="1418373"/>
+            <a:off x="609600" y="1219200"/>
             <a:ext cx="11199971" cy="3306028"/>
           </a:xfrm>
           <a:prstGeom prst="rect">
@@ -5796,7 +7074,7 @@
         </p:nvSpPr>
         <p:spPr>
           <a:xfrm>
-            <a:off x="2286000" y="2671278"/>
+            <a:off x="2286159" y="2472105"/>
             <a:ext cx="7718580" cy="923330"/>
           </a:xfrm>
           <a:prstGeom prst="rect">
@@ -5833,6 +7111,36 @@
           </a:p>
         </p:txBody>
       </p:sp>
+      <p:pic>
+        <p:nvPicPr>
+          <p:cNvPr id="5" name="Imagen 4">
+            <a:extLst>
+              <a:ext uri="{FF2B5EF4-FFF2-40B4-BE49-F238E27FC236}">
+                <a16:creationId xmlns:a16="http://schemas.microsoft.com/office/drawing/2014/main" id="{1ADA4AE6-2692-46AD-BB4E-E25E2E65533B}"/>
+              </a:ext>
+            </a:extLst>
+          </p:cNvPr>
+          <p:cNvPicPr>
+            <a:picLocks noChangeAspect="1"/>
+          </p:cNvPicPr>
+          <p:nvPr/>
+        </p:nvPicPr>
+        <p:blipFill>
+          <a:blip r:embed="rId5"/>
+          <a:stretch>
+            <a:fillRect/>
+          </a:stretch>
+        </p:blipFill>
+        <p:spPr>
+          <a:xfrm>
+            <a:off x="3488291" y="1313726"/>
+            <a:ext cx="5389746" cy="3137602"/>
+          </a:xfrm>
+          <a:prstGeom prst="rect">
+            <a:avLst/>
+          </a:prstGeom>
+        </p:spPr>
+      </p:pic>
     </p:spTree>
     <p:extLst>
       <p:ext uri="{BB962C8B-B14F-4D97-AF65-F5344CB8AC3E}">
@@ -6360,7 +7668,7 @@
             <p:spPr>
               <a:xfrm>
                 <a:off x="609441" y="4860334"/>
-                <a:ext cx="11198542" cy="1740861"/>
+                <a:ext cx="11198542" cy="3402855"/>
               </a:xfrm>
               <a:prstGeom prst="rect">
                 <a:avLst/>
@@ -6808,6 +8116,190 @@
               </a:p>
               <a:p>
                 <a:pPr algn="just"/>
+                <a:endParaRPr lang="en-US" sz="1200" dirty="0">
+                  <a:latin typeface="Arial" panose="020B0604020202020204" pitchFamily="34" charset="0"/>
+                  <a:cs typeface="Arial" panose="020B0604020202020204" pitchFamily="34" charset="0"/>
+                </a:endParaRPr>
+              </a:p>
+              <a:p>
+                <a:pPr algn="just"/>
+                <a:r>
+                  <a:rPr lang="en-US" sz="1200" dirty="0">
+                    <a:latin typeface="Arial" panose="020B0604020202020204" pitchFamily="34" charset="0"/>
+                    <a:cs typeface="Arial" panose="020B0604020202020204" pitchFamily="34" charset="0"/>
+                  </a:rPr>
+                  <a:t>Los </a:t>
+                </a:r>
+                <a:r>
+                  <a:rPr lang="en-US" sz="1200" dirty="0" err="1">
+                    <a:latin typeface="Arial" panose="020B0604020202020204" pitchFamily="34" charset="0"/>
+                    <a:cs typeface="Arial" panose="020B0604020202020204" pitchFamily="34" charset="0"/>
+                  </a:rPr>
+                  <a:t>índices</a:t>
+                </a:r>
+                <a:r>
+                  <a:rPr lang="en-US" sz="1200" dirty="0">
+                    <a:latin typeface="Arial" panose="020B0604020202020204" pitchFamily="34" charset="0"/>
+                    <a:cs typeface="Arial" panose="020B0604020202020204" pitchFamily="34" charset="0"/>
+                  </a:rPr>
+                  <a:t> </a:t>
+                </a:r>
+                <a:r>
+                  <a:rPr lang="en-US" sz="1200" dirty="0" err="1">
+                    <a:latin typeface="Arial" panose="020B0604020202020204" pitchFamily="34" charset="0"/>
+                    <a:cs typeface="Arial" panose="020B0604020202020204" pitchFamily="34" charset="0"/>
+                  </a:rPr>
+                  <a:t>efectivos</a:t>
+                </a:r>
+                <a:r>
+                  <a:rPr lang="en-US" sz="1200" dirty="0">
+                    <a:latin typeface="Arial" panose="020B0604020202020204" pitchFamily="34" charset="0"/>
+                    <a:cs typeface="Arial" panose="020B0604020202020204" pitchFamily="34" charset="0"/>
+                  </a:rPr>
+                  <a:t> para la </a:t>
+                </a:r>
+                <a:r>
+                  <a:rPr lang="en-US" sz="1200" dirty="0" err="1">
+                    <a:latin typeface="Arial" panose="020B0604020202020204" pitchFamily="34" charset="0"/>
+                    <a:cs typeface="Arial" panose="020B0604020202020204" pitchFamily="34" charset="0"/>
+                  </a:rPr>
+                  <a:t>guía</a:t>
+                </a:r>
+                <a:r>
+                  <a:rPr lang="en-US" sz="1200" dirty="0">
+                    <a:latin typeface="Arial" panose="020B0604020202020204" pitchFamily="34" charset="0"/>
+                    <a:cs typeface="Arial" panose="020B0604020202020204" pitchFamily="34" charset="0"/>
+                  </a:rPr>
+                  <a:t> deep son </a:t>
+                </a:r>
+                <a:r>
+                  <a:rPr lang="en-US" sz="1200" dirty="0" err="1">
+                    <a:latin typeface="Arial" panose="020B0604020202020204" pitchFamily="34" charset="0"/>
+                    <a:cs typeface="Arial" panose="020B0604020202020204" pitchFamily="34" charset="0"/>
+                  </a:rPr>
+                  <a:t>mayores</a:t>
+                </a:r>
+                <a:r>
+                  <a:rPr lang="en-US" sz="1200" dirty="0">
+                    <a:latin typeface="Arial" panose="020B0604020202020204" pitchFamily="34" charset="0"/>
+                    <a:cs typeface="Arial" panose="020B0604020202020204" pitchFamily="34" charset="0"/>
+                  </a:rPr>
+                  <a:t> que para </a:t>
+                </a:r>
+                <a:r>
+                  <a:rPr lang="en-US" sz="1200" dirty="0" err="1">
+                    <a:latin typeface="Arial" panose="020B0604020202020204" pitchFamily="34" charset="0"/>
+                    <a:cs typeface="Arial" panose="020B0604020202020204" pitchFamily="34" charset="0"/>
+                  </a:rPr>
+                  <a:t>el</a:t>
+                </a:r>
+                <a:r>
+                  <a:rPr lang="en-US" sz="1200" dirty="0">
+                    <a:latin typeface="Arial" panose="020B0604020202020204" pitchFamily="34" charset="0"/>
+                    <a:cs typeface="Arial" panose="020B0604020202020204" pitchFamily="34" charset="0"/>
+                  </a:rPr>
+                  <a:t> </a:t>
+                </a:r>
+              </a:p>
+              <a:p>
+                <a:pPr algn="just"/>
+                <a:endParaRPr lang="en-US" sz="1200" dirty="0">
+                  <a:latin typeface="Arial" panose="020B0604020202020204" pitchFamily="34" charset="0"/>
+                  <a:cs typeface="Arial" panose="020B0604020202020204" pitchFamily="34" charset="0"/>
+                </a:endParaRPr>
+              </a:p>
+              <a:p>
+                <a:pPr algn="just"/>
+                <a:r>
+                  <a:rPr lang="en-US" sz="1200" dirty="0">
+                    <a:latin typeface="Arial" panose="020B0604020202020204" pitchFamily="34" charset="0"/>
+                    <a:cs typeface="Arial" panose="020B0604020202020204" pitchFamily="34" charset="0"/>
+                  </a:rPr>
+                  <a:t>La </a:t>
+                </a:r>
+                <a:r>
+                  <a:rPr lang="en-US" sz="1200" dirty="0" err="1">
+                    <a:latin typeface="Arial" panose="020B0604020202020204" pitchFamily="34" charset="0"/>
+                    <a:cs typeface="Arial" panose="020B0604020202020204" pitchFamily="34" charset="0"/>
+                  </a:rPr>
+                  <a:t>guía</a:t>
+                </a:r>
+                <a:r>
+                  <a:rPr lang="en-US" sz="1200" dirty="0">
+                    <a:latin typeface="Arial" panose="020B0604020202020204" pitchFamily="34" charset="0"/>
+                    <a:cs typeface="Arial" panose="020B0604020202020204" pitchFamily="34" charset="0"/>
+                  </a:rPr>
+                  <a:t> deep </a:t>
+                </a:r>
+                <a:r>
+                  <a:rPr lang="en-US" sz="1200" dirty="0" err="1">
+                    <a:latin typeface="Arial" panose="020B0604020202020204" pitchFamily="34" charset="0"/>
+                    <a:cs typeface="Arial" panose="020B0604020202020204" pitchFamily="34" charset="0"/>
+                  </a:rPr>
+                  <a:t>está</a:t>
+                </a:r>
+                <a:r>
+                  <a:rPr lang="en-US" sz="1200" dirty="0">
+                    <a:latin typeface="Arial" panose="020B0604020202020204" pitchFamily="34" charset="0"/>
+                    <a:cs typeface="Arial" panose="020B0604020202020204" pitchFamily="34" charset="0"/>
+                  </a:rPr>
+                  <a:t> </a:t>
+                </a:r>
+                <a:r>
+                  <a:rPr lang="en-US" sz="1200" dirty="0" err="1">
+                    <a:latin typeface="Arial" panose="020B0604020202020204" pitchFamily="34" charset="0"/>
+                    <a:cs typeface="Arial" panose="020B0604020202020204" pitchFamily="34" charset="0"/>
+                  </a:rPr>
+                  <a:t>más</a:t>
+                </a:r>
+                <a:r>
+                  <a:rPr lang="en-US" sz="1200" dirty="0">
+                    <a:latin typeface="Arial" panose="020B0604020202020204" pitchFamily="34" charset="0"/>
+                    <a:cs typeface="Arial" panose="020B0604020202020204" pitchFamily="34" charset="0"/>
+                  </a:rPr>
+                  <a:t> </a:t>
+                </a:r>
+              </a:p>
+              <a:p>
+                <a:pPr algn="just"/>
+                <a:endParaRPr lang="en-US" sz="1200" dirty="0">
+                  <a:latin typeface="Arial" panose="020B0604020202020204" pitchFamily="34" charset="0"/>
+                  <a:cs typeface="Arial" panose="020B0604020202020204" pitchFamily="34" charset="0"/>
+                </a:endParaRPr>
+              </a:p>
+              <a:p>
+                <a:pPr algn="just"/>
+                <a:r>
+                  <a:rPr lang="en-US" sz="1200" dirty="0">
+                    <a:latin typeface="Arial" panose="020B0604020202020204" pitchFamily="34" charset="0"/>
+                    <a:cs typeface="Arial" panose="020B0604020202020204" pitchFamily="34" charset="0"/>
+                  </a:rPr>
+                  <a:t>Los </a:t>
+                </a:r>
+                <a:r>
+                  <a:rPr lang="en-US" sz="1200" dirty="0" err="1">
+                    <a:latin typeface="Arial" panose="020B0604020202020204" pitchFamily="34" charset="0"/>
+                    <a:cs typeface="Arial" panose="020B0604020202020204" pitchFamily="34" charset="0"/>
+                  </a:rPr>
+                  <a:t>modos</a:t>
+                </a:r>
+                <a:r>
+                  <a:rPr lang="en-US" sz="1200" dirty="0">
+                    <a:latin typeface="Arial" panose="020B0604020202020204" pitchFamily="34" charset="0"/>
+                    <a:cs typeface="Arial" panose="020B0604020202020204" pitchFamily="34" charset="0"/>
+                  </a:rPr>
+                  <a:t> TE </a:t>
+                </a:r>
+              </a:p>
+              <a:p>
+                <a:pPr algn="just"/>
+                <a:endParaRPr lang="en-US" sz="1200" dirty="0">
+                  <a:latin typeface="Arial" panose="020B0604020202020204" pitchFamily="34" charset="0"/>
+                  <a:cs typeface="Arial" panose="020B0604020202020204" pitchFamily="34" charset="0"/>
+                </a:endParaRPr>
+              </a:p>
+              <a:p>
+                <a:pPr algn="just"/>
                 <a:r>
                   <a:rPr lang="en-US" sz="1200" dirty="0">
                     <a:highlight>
@@ -6921,6 +8413,189 @@
               </a:p>
               <a:p>
                 <a:pPr algn="just"/>
+                <a:r>
+                  <a:rPr lang="en-US" sz="1200" dirty="0">
+                    <a:highlight>
+                      <a:srgbClr val="FFFF00"/>
+                    </a:highlight>
+                    <a:latin typeface="Arial" panose="020B0604020202020204" pitchFamily="34" charset="0"/>
+                    <a:cs typeface="Arial" panose="020B0604020202020204" pitchFamily="34" charset="0"/>
+                  </a:rPr>
+                  <a:t>Hablar de la </a:t>
+                </a:r>
+                <a:r>
+                  <a:rPr lang="en-US" sz="1200" dirty="0" err="1">
+                    <a:highlight>
+                      <a:srgbClr val="FFFF00"/>
+                    </a:highlight>
+                    <a:latin typeface="Arial" panose="020B0604020202020204" pitchFamily="34" charset="0"/>
+                    <a:cs typeface="Arial" panose="020B0604020202020204" pitchFamily="34" charset="0"/>
+                  </a:rPr>
+                  <a:t>dispersión</a:t>
+                </a:r>
+                <a:r>
+                  <a:rPr lang="en-US" sz="1200" dirty="0">
+                    <a:highlight>
+                      <a:srgbClr val="FFFF00"/>
+                    </a:highlight>
+                    <a:latin typeface="Arial" panose="020B0604020202020204" pitchFamily="34" charset="0"/>
+                    <a:cs typeface="Arial" panose="020B0604020202020204" pitchFamily="34" charset="0"/>
+                  </a:rPr>
+                  <a:t> , … Si n2 es </a:t>
+                </a:r>
+                <a:r>
+                  <a:rPr lang="en-US" sz="1200" dirty="0" err="1">
+                    <a:highlight>
+                      <a:srgbClr val="FFFF00"/>
+                    </a:highlight>
+                    <a:latin typeface="Arial" panose="020B0604020202020204" pitchFamily="34" charset="0"/>
+                    <a:cs typeface="Arial" panose="020B0604020202020204" pitchFamily="34" charset="0"/>
+                  </a:rPr>
+                  <a:t>muy</a:t>
+                </a:r>
+                <a:r>
+                  <a:rPr lang="en-US" sz="1200" dirty="0">
+                    <a:highlight>
+                      <a:srgbClr val="FFFF00"/>
+                    </a:highlight>
+                    <a:latin typeface="Arial" panose="020B0604020202020204" pitchFamily="34" charset="0"/>
+                    <a:cs typeface="Arial" panose="020B0604020202020204" pitchFamily="34" charset="0"/>
+                  </a:rPr>
+                  <a:t> negative</a:t>
+                </a:r>
+              </a:p>
+              <a:p>
+                <a:pPr algn="just"/>
+                <a:r>
+                  <a:rPr lang="en-US" sz="1200" dirty="0">
+                    <a:highlight>
+                      <a:srgbClr val="FFFF00"/>
+                    </a:highlight>
+                    <a:latin typeface="Arial" panose="020B0604020202020204" pitchFamily="34" charset="0"/>
+                    <a:cs typeface="Arial" panose="020B0604020202020204" pitchFamily="34" charset="0"/>
+                  </a:rPr>
+                  <a:t>A mayor </a:t>
+                </a:r>
+                <a:r>
+                  <a:rPr lang="en-US" sz="1200" dirty="0" err="1">
+                    <a:highlight>
+                      <a:srgbClr val="FFFF00"/>
+                    </a:highlight>
+                    <a:latin typeface="Arial" panose="020B0604020202020204" pitchFamily="34" charset="0"/>
+                    <a:cs typeface="Arial" panose="020B0604020202020204" pitchFamily="34" charset="0"/>
+                  </a:rPr>
+                  <a:t>variabilidad</a:t>
+                </a:r>
+                <a:r>
+                  <a:rPr lang="en-US" sz="1200" dirty="0">
+                    <a:highlight>
+                      <a:srgbClr val="FFFF00"/>
+                    </a:highlight>
+                    <a:latin typeface="Arial" panose="020B0604020202020204" pitchFamily="34" charset="0"/>
+                    <a:cs typeface="Arial" panose="020B0604020202020204" pitchFamily="34" charset="0"/>
+                  </a:rPr>
+                  <a:t> </a:t>
+                </a:r>
+                <a:r>
+                  <a:rPr lang="en-US" sz="1200" dirty="0" err="1">
+                    <a:highlight>
+                      <a:srgbClr val="FFFF00"/>
+                    </a:highlight>
+                    <a:latin typeface="Arial" panose="020B0604020202020204" pitchFamily="34" charset="0"/>
+                    <a:cs typeface="Arial" panose="020B0604020202020204" pitchFamily="34" charset="0"/>
+                  </a:rPr>
+                  <a:t>en</a:t>
+                </a:r>
+                <a:r>
+                  <a:rPr lang="en-US" sz="1200" dirty="0">
+                    <a:highlight>
+                      <a:srgbClr val="FFFF00"/>
+                    </a:highlight>
+                    <a:latin typeface="Arial" panose="020B0604020202020204" pitchFamily="34" charset="0"/>
+                    <a:cs typeface="Arial" panose="020B0604020202020204" pitchFamily="34" charset="0"/>
+                  </a:rPr>
+                  <a:t> longitude de </a:t>
+                </a:r>
+                <a:r>
+                  <a:rPr lang="en-US" sz="1200" dirty="0" err="1">
+                    <a:highlight>
+                      <a:srgbClr val="FFFF00"/>
+                    </a:highlight>
+                    <a:latin typeface="Arial" panose="020B0604020202020204" pitchFamily="34" charset="0"/>
+                    <a:cs typeface="Arial" panose="020B0604020202020204" pitchFamily="34" charset="0"/>
+                  </a:rPr>
+                  <a:t>onda</a:t>
+                </a:r>
+                <a:r>
+                  <a:rPr lang="en-US" sz="1200" dirty="0">
+                    <a:highlight>
+                      <a:srgbClr val="FFFF00"/>
+                    </a:highlight>
+                    <a:latin typeface="Arial" panose="020B0604020202020204" pitchFamily="34" charset="0"/>
+                    <a:cs typeface="Arial" panose="020B0604020202020204" pitchFamily="34" charset="0"/>
+                  </a:rPr>
+                  <a:t>, mayor es </a:t>
+                </a:r>
+                <a:r>
+                  <a:rPr lang="en-US" sz="1200" dirty="0" err="1">
+                    <a:highlight>
+                      <a:srgbClr val="FFFF00"/>
+                    </a:highlight>
+                    <a:latin typeface="Arial" panose="020B0604020202020204" pitchFamily="34" charset="0"/>
+                    <a:cs typeface="Arial" panose="020B0604020202020204" pitchFamily="34" charset="0"/>
+                  </a:rPr>
+                  <a:t>el</a:t>
+                </a:r>
+                <a:r>
+                  <a:rPr lang="en-US" sz="1200" dirty="0">
+                    <a:highlight>
+                      <a:srgbClr val="FFFF00"/>
+                    </a:highlight>
+                    <a:latin typeface="Arial" panose="020B0604020202020204" pitchFamily="34" charset="0"/>
+                    <a:cs typeface="Arial" panose="020B0604020202020204" pitchFamily="34" charset="0"/>
+                  </a:rPr>
+                  <a:t> </a:t>
+                </a:r>
+                <a:r>
+                  <a:rPr lang="en-US" sz="1200" dirty="0" err="1">
+                    <a:highlight>
+                      <a:srgbClr val="FFFF00"/>
+                    </a:highlight>
+                    <a:latin typeface="Arial" panose="020B0604020202020204" pitchFamily="34" charset="0"/>
+                    <a:cs typeface="Arial" panose="020B0604020202020204" pitchFamily="34" charset="0"/>
+                  </a:rPr>
+                  <a:t>índice</a:t>
+                </a:r>
+                <a:r>
+                  <a:rPr lang="en-US" sz="1200" dirty="0">
+                    <a:highlight>
+                      <a:srgbClr val="FFFF00"/>
+                    </a:highlight>
+                    <a:latin typeface="Arial" panose="020B0604020202020204" pitchFamily="34" charset="0"/>
+                    <a:cs typeface="Arial" panose="020B0604020202020204" pitchFamily="34" charset="0"/>
+                  </a:rPr>
+                  <a:t> de </a:t>
+                </a:r>
+                <a:r>
+                  <a:rPr lang="en-US" sz="1200" dirty="0" err="1">
+                    <a:highlight>
+                      <a:srgbClr val="FFFF00"/>
+                    </a:highlight>
+                    <a:latin typeface="Arial" panose="020B0604020202020204" pitchFamily="34" charset="0"/>
+                    <a:cs typeface="Arial" panose="020B0604020202020204" pitchFamily="34" charset="0"/>
+                  </a:rPr>
+                  <a:t>grupo</a:t>
+                </a:r>
+                <a:endParaRPr lang="en-US" sz="1200" dirty="0">
+                  <a:highlight>
+                    <a:srgbClr val="FFFF00"/>
+                  </a:highlight>
+                  <a:latin typeface="Arial" panose="020B0604020202020204" pitchFamily="34" charset="0"/>
+                  <a:cs typeface="Arial" panose="020B0604020202020204" pitchFamily="34" charset="0"/>
+                </a:endParaRPr>
+              </a:p>
+              <a:p>
+                <a:pPr algn="just"/>
                 <a:endParaRPr lang="en-US" sz="1200" dirty="0">
                   <a:latin typeface="Arial" panose="020B0604020202020204" pitchFamily="34" charset="0"/>
                   <a:cs typeface="Arial" panose="020B0604020202020204" pitchFamily="34" charset="0"/>
@@ -6947,7 +8622,7 @@
             <p:spPr>
               <a:xfrm>
                 <a:off x="609441" y="4860334"/>
-                <a:ext cx="11198542" cy="1740861"/>
+                <a:ext cx="11198542" cy="3402855"/>
               </a:xfrm>
               <a:prstGeom prst="rect">
                 <a:avLst/>
